--- a/Projekt prezi.pptx
+++ b/Projekt prezi.pptx
@@ -113,6 +113,11 @@
       </a:defRPr>
     </a:lvl9pPr>
   </p:defaultTextStyle>
+  <p:extLst>
+    <p:ext uri="{EFAFB233-063F-42B5-8137-9DF3F51BA10A}">
+      <p15:sldGuideLst xmlns:p15="http://schemas.microsoft.com/office/powerpoint/2012/main"/>
+    </p:ext>
+  </p:extLst>
 </p:presentation>
 </file>
 
@@ -6353,13 +6358,13 @@
   <p:clrMapOvr>
     <a:masterClrMapping/>
   </p:clrMapOvr>
-  <mc:AlternateContent xmlns:mc="http://schemas.openxmlformats.org/markup-compatibility/2006">
-    <mc:Choice xmlns:p15="http://schemas.microsoft.com/office/powerpoint/2012/main" Requires="p15">
+  <mc:AlternateContent xmlns:mc="http://schemas.openxmlformats.org/markup-compatibility/2006" xmlns:p15="http://schemas.microsoft.com/office/powerpoint/2012/main">
+    <mc:Choice Requires="p15">
       <p:transition xmlns:p14="http://schemas.microsoft.com/office/powerpoint/2010/main" spd="slow" p14:dur="2000">
         <p15:prstTrans prst="fallOver"/>
       </p:transition>
     </mc:Choice>
-    <mc:Fallback>
+    <mc:Fallback xmlns="">
       <p:transition spd="slow">
         <p:fade/>
       </p:transition>
@@ -6623,7 +6628,7 @@
         <p:spPr>
           <a:xfrm>
             <a:off x="6291743" y="2642532"/>
-            <a:ext cx="4708905" cy="1200329"/>
+            <a:ext cx="4708905" cy="2831544"/>
           </a:xfrm>
           <a:prstGeom prst="rect">
             <a:avLst/>
@@ -6637,13 +6642,13 @@
           <a:lstStyle/>
           <a:p>
             <a:r>
-              <a:rPr lang="hu-HU" dirty="0"/>
+              <a:rPr lang="hu-HU" sz="3200" dirty="0"/>
               <a:t>Beállítottam hogy kamerával kelljen megkeresni a rendszámokat.</a:t>
             </a:r>
           </a:p>
           <a:p>
             <a:r>
-              <a:rPr lang="hu-HU" dirty="0"/>
+              <a:rPr lang="hu-HU" sz="3200" dirty="0"/>
               <a:t>A felvételnek nagyságát beállítottam</a:t>
             </a:r>
           </a:p>
@@ -6700,46 +6705,46 @@
         </p:nvSpPr>
         <p:spPr>
           <a:xfrm>
-            <a:off x="9653137" y="605570"/>
-            <a:ext cx="1924087" cy="5640033"/>
+            <a:off x="8430937" y="605570"/>
+            <a:ext cx="3146288" cy="5640033"/>
           </a:xfrm>
         </p:spPr>
         <p:txBody>
           <a:bodyPr>
-            <a:normAutofit fontScale="92500" lnSpcReduction="10000"/>
+            <a:normAutofit/>
           </a:bodyPr>
           <a:lstStyle/>
           <a:p>
             <a:r>
-              <a:rPr lang="hu-HU" dirty="0"/>
+              <a:rPr lang="hu-HU" sz="2800" dirty="0"/>
               <a:t>Kép beolvasás</a:t>
             </a:r>
           </a:p>
           <a:p>
             <a:r>
-              <a:rPr lang="hu-HU" dirty="0" err="1"/>
+              <a:rPr lang="hu-HU" sz="2800" dirty="0" err="1"/>
               <a:t>Szürkeárnyalatos</a:t>
             </a:r>
             <a:r>
-              <a:rPr lang="hu-HU" dirty="0"/>
+              <a:rPr lang="hu-HU" sz="2800" dirty="0"/>
               <a:t> képet készít</a:t>
             </a:r>
           </a:p>
           <a:p>
             <a:r>
-              <a:rPr lang="hu-HU" dirty="0"/>
+              <a:rPr lang="hu-HU" sz="2800" dirty="0"/>
               <a:t>Rendszámtábla detektálás</a:t>
             </a:r>
           </a:p>
           <a:p>
             <a:r>
-              <a:rPr lang="hu-HU" dirty="0"/>
+              <a:rPr lang="hu-HU" sz="2800" dirty="0"/>
               <a:t>Téglalap rajzolás a rendszámtábla köré</a:t>
             </a:r>
           </a:p>
           <a:p>
             <a:r>
-              <a:rPr lang="hu-HU" dirty="0"/>
+              <a:rPr lang="hu-HU" sz="2800" dirty="0"/>
               <a:t>Külön ablakba megjeleníti a rendszámtáblát</a:t>
             </a:r>
           </a:p>
@@ -6768,7 +6773,7 @@
         <p:spPr>
           <a:xfrm>
             <a:off x="614776" y="612396"/>
-            <a:ext cx="9038362" cy="5640033"/>
+            <a:ext cx="7816160" cy="5640033"/>
           </a:xfrm>
           <a:prstGeom prst="rect">
             <a:avLst/>
@@ -6970,18 +6975,55 @@
             <p:ph idx="1"/>
           </p:nvPr>
         </p:nvSpPr>
-        <p:spPr/>
-        <p:txBody>
-          <a:bodyPr/>
-          <a:lstStyle/>
-          <a:p>
-            <a:r>
-              <a:rPr lang="hu-HU" dirty="0"/>
+        <p:spPr>
+          <a:xfrm>
+            <a:off x="6778305" y="2556932"/>
+            <a:ext cx="4118292" cy="3318936"/>
+          </a:xfrm>
+        </p:spPr>
+        <p:txBody>
+          <a:bodyPr>
+            <a:normAutofit/>
+          </a:bodyPr>
+          <a:lstStyle/>
+          <a:p>
+            <a:r>
+              <a:rPr lang="hu-HU" sz="3200" dirty="0"/>
               <a:t>A tesztelést úgy hajtottam végre ,hogy rákerestem orosz rendszámtáblákra és megmutattam neki.</a:t>
             </a:r>
           </a:p>
         </p:txBody>
       </p:sp>
+      <p:pic>
+        <p:nvPicPr>
+          <p:cNvPr id="4" name="Kép 3">
+            <a:extLst>
+              <a:ext uri="{FF2B5EF4-FFF2-40B4-BE49-F238E27FC236}">
+                <a16:creationId xmlns:a16="http://schemas.microsoft.com/office/drawing/2014/main" id="{3B0E7F49-DEE2-4B04-B2EE-7952918AF1A1}"/>
+              </a:ext>
+            </a:extLst>
+          </p:cNvPr>
+          <p:cNvPicPr>
+            <a:picLocks noChangeAspect="1"/>
+          </p:cNvPicPr>
+          <p:nvPr/>
+        </p:nvPicPr>
+        <p:blipFill>
+          <a:blip r:embed="rId2"/>
+          <a:stretch>
+            <a:fillRect/>
+          </a:stretch>
+        </p:blipFill>
+        <p:spPr>
+          <a:xfrm>
+            <a:off x="521350" y="1904301"/>
+            <a:ext cx="6115904" cy="4359996"/>
+          </a:xfrm>
+          <a:prstGeom prst="rect">
+            <a:avLst/>
+          </a:prstGeom>
+        </p:spPr>
+      </p:pic>
     </p:spTree>
     <p:extLst>
       <p:ext uri="{BB962C8B-B14F-4D97-AF65-F5344CB8AC3E}">

--- a/Projekt prezi.pptx
+++ b/Projekt prezi.pptx
@@ -15,6 +15,15 @@
     <p:sldId id="263" r:id="rId9"/>
     <p:sldId id="264" r:id="rId10"/>
     <p:sldId id="265" r:id="rId11"/>
+    <p:sldId id="266" r:id="rId12"/>
+    <p:sldId id="267" r:id="rId13"/>
+    <p:sldId id="268" r:id="rId14"/>
+    <p:sldId id="269" r:id="rId15"/>
+    <p:sldId id="270" r:id="rId16"/>
+    <p:sldId id="271" r:id="rId17"/>
+    <p:sldId id="272" r:id="rId18"/>
+    <p:sldId id="273" r:id="rId19"/>
+    <p:sldId id="274" r:id="rId20"/>
   </p:sldIdLst>
   <p:sldSz cx="12192000" cy="6858000"/>
   <p:notesSz cx="6858000" cy="9144000"/>
@@ -5862,15 +5871,7 @@
           <a:p>
             <a:r>
               <a:rPr lang="hu-HU" dirty="0"/>
-              <a:t>Fájl </a:t>
-            </a:r>
-            <a:r>
-              <a:rPr lang="hu-HU" dirty="0" err="1"/>
-              <a:t>beolvasás:Péjó</a:t>
-            </a:r>
-            <a:r>
-              <a:rPr lang="hu-HU" dirty="0"/>
-              <a:t> Kristóf</a:t>
+              <a:t>Fájl beolvasás: Péjó Kristóf</a:t>
             </a:r>
           </a:p>
           <a:p>
@@ -5998,6 +5999,2682 @@
 </p:sld>
 </file>
 
+<file path=ppt/slides/slide11.xml><?xml version="1.0" encoding="utf-8"?>
+<p:sld xmlns:a="http://schemas.openxmlformats.org/drawingml/2006/main" xmlns:r="http://schemas.openxmlformats.org/officeDocument/2006/relationships" xmlns:p="http://schemas.openxmlformats.org/presentationml/2006/main">
+  <p:cSld>
+    <p:spTree>
+      <p:nvGrpSpPr>
+        <p:cNvPr id="1" name=""/>
+        <p:cNvGrpSpPr/>
+        <p:nvPr/>
+      </p:nvGrpSpPr>
+      <p:grpSpPr>
+        <a:xfrm>
+          <a:off x="0" y="0"/>
+          <a:ext cx="0" cy="0"/>
+          <a:chOff x="0" y="0"/>
+          <a:chExt cx="0" cy="0"/>
+        </a:xfrm>
+      </p:grpSpPr>
+      <p:sp>
+        <p:nvSpPr>
+          <p:cNvPr id="2" name="Cím 1">
+            <a:extLst>
+              <a:ext uri="{FF2B5EF4-FFF2-40B4-BE49-F238E27FC236}">
+                <a16:creationId xmlns:a16="http://schemas.microsoft.com/office/drawing/2014/main" id="{73D6C9BB-7748-4C2C-8C19-05CBFC0B6582}"/>
+              </a:ext>
+            </a:extLst>
+          </p:cNvPr>
+          <p:cNvSpPr>
+            <a:spLocks noGrp="1"/>
+          </p:cNvSpPr>
+          <p:nvPr>
+            <p:ph type="ctrTitle"/>
+          </p:nvPr>
+        </p:nvSpPr>
+        <p:spPr/>
+        <p:txBody>
+          <a:bodyPr/>
+          <a:lstStyle/>
+          <a:p>
+            <a:r>
+              <a:rPr lang="hu-HU" dirty="0"/>
+              <a:t>File </a:t>
+            </a:r>
+            <a:r>
+              <a:rPr lang="hu-HU" dirty="0" err="1"/>
+              <a:t>Reader</a:t>
+            </a:r>
+            <a:endParaRPr lang="hu-HU" dirty="0"/>
+          </a:p>
+        </p:txBody>
+      </p:sp>
+      <p:sp>
+        <p:nvSpPr>
+          <p:cNvPr id="4" name="Alcím 3">
+            <a:extLst>
+              <a:ext uri="{FF2B5EF4-FFF2-40B4-BE49-F238E27FC236}">
+                <a16:creationId xmlns:a16="http://schemas.microsoft.com/office/drawing/2014/main" id="{7E96E85A-E488-45F2-9FF9-21B68BC5945B}"/>
+              </a:ext>
+            </a:extLst>
+          </p:cNvPr>
+          <p:cNvSpPr>
+            <a:spLocks noGrp="1"/>
+          </p:cNvSpPr>
+          <p:nvPr>
+            <p:ph type="subTitle" idx="1"/>
+          </p:nvPr>
+        </p:nvSpPr>
+        <p:spPr/>
+        <p:txBody>
+          <a:bodyPr/>
+          <a:lstStyle/>
+          <a:p>
+            <a:r>
+              <a:rPr lang="hu-HU" dirty="0"/>
+              <a:t>Készítette: Péjó Kristóf</a:t>
+            </a:r>
+          </a:p>
+          <a:p>
+            <a:endParaRPr lang="hu-HU" dirty="0"/>
+          </a:p>
+        </p:txBody>
+      </p:sp>
+    </p:spTree>
+    <p:extLst>
+      <p:ext uri="{BB962C8B-B14F-4D97-AF65-F5344CB8AC3E}">
+        <p14:creationId xmlns:p14="http://schemas.microsoft.com/office/powerpoint/2010/main" val="1076629814"/>
+      </p:ext>
+    </p:extLst>
+  </p:cSld>
+  <p:clrMapOvr>
+    <a:masterClrMapping/>
+  </p:clrMapOvr>
+</p:sld>
+</file>
+
+<file path=ppt/slides/slide12.xml><?xml version="1.0" encoding="utf-8"?>
+<p:sld xmlns:a="http://schemas.openxmlformats.org/drawingml/2006/main" xmlns:r="http://schemas.openxmlformats.org/officeDocument/2006/relationships" xmlns:p="http://schemas.openxmlformats.org/presentationml/2006/main">
+  <p:cSld>
+    <p:spTree>
+      <p:nvGrpSpPr>
+        <p:cNvPr id="1" name=""/>
+        <p:cNvGrpSpPr/>
+        <p:nvPr/>
+      </p:nvGrpSpPr>
+      <p:grpSpPr>
+        <a:xfrm>
+          <a:off x="0" y="0"/>
+          <a:ext cx="0" cy="0"/>
+          <a:chOff x="0" y="0"/>
+          <a:chExt cx="0" cy="0"/>
+        </a:xfrm>
+      </p:grpSpPr>
+      <p:sp>
+        <p:nvSpPr>
+          <p:cNvPr id="2" name="Cím 1">
+            <a:extLst>
+              <a:ext uri="{FF2B5EF4-FFF2-40B4-BE49-F238E27FC236}">
+                <a16:creationId xmlns:a16="http://schemas.microsoft.com/office/drawing/2014/main" id="{35234817-A1F0-4CA2-80F7-044635569A79}"/>
+              </a:ext>
+            </a:extLst>
+          </p:cNvPr>
+          <p:cNvSpPr>
+            <a:spLocks noGrp="1"/>
+          </p:cNvSpPr>
+          <p:nvPr>
+            <p:ph type="title"/>
+          </p:nvPr>
+        </p:nvSpPr>
+        <p:spPr/>
+        <p:txBody>
+          <a:bodyPr/>
+          <a:lstStyle/>
+          <a:p>
+            <a:r>
+              <a:rPr lang="hu-HU" dirty="0"/>
+              <a:t>Kód felépítése:</a:t>
+            </a:r>
+          </a:p>
+        </p:txBody>
+      </p:sp>
+      <p:pic>
+        <p:nvPicPr>
+          <p:cNvPr id="5" name="Kép 4">
+            <a:extLst>
+              <a:ext uri="{FF2B5EF4-FFF2-40B4-BE49-F238E27FC236}">
+                <a16:creationId xmlns:a16="http://schemas.microsoft.com/office/drawing/2014/main" id="{ED3F0B22-9041-4625-BADC-6DB1B1946E79}"/>
+              </a:ext>
+            </a:extLst>
+          </p:cNvPr>
+          <p:cNvPicPr>
+            <a:picLocks noChangeAspect="1"/>
+          </p:cNvPicPr>
+          <p:nvPr/>
+        </p:nvPicPr>
+        <p:blipFill>
+          <a:blip r:embed="rId2"/>
+          <a:stretch>
+            <a:fillRect/>
+          </a:stretch>
+        </p:blipFill>
+        <p:spPr>
+          <a:xfrm>
+            <a:off x="1537246" y="2578359"/>
+            <a:ext cx="3873653" cy="3297509"/>
+          </a:xfrm>
+          <a:prstGeom prst="rect">
+            <a:avLst/>
+          </a:prstGeom>
+        </p:spPr>
+      </p:pic>
+      <p:sp>
+        <p:nvSpPr>
+          <p:cNvPr id="8" name="Rectangle 1">
+            <a:extLst>
+              <a:ext uri="{FF2B5EF4-FFF2-40B4-BE49-F238E27FC236}">
+                <a16:creationId xmlns:a16="http://schemas.microsoft.com/office/drawing/2014/main" id="{35B4A97B-E50D-4A1D-B3AE-A089A21E323B}"/>
+              </a:ext>
+            </a:extLst>
+          </p:cNvPr>
+          <p:cNvSpPr>
+            <a:spLocks noGrp="1" noChangeArrowheads="1"/>
+          </p:cNvSpPr>
+          <p:nvPr>
+            <p:ph idx="1"/>
+          </p:nvPr>
+        </p:nvSpPr>
+        <p:spPr bwMode="auto">
+          <a:xfrm>
+            <a:off x="5716543" y="3245016"/>
+            <a:ext cx="4692235" cy="2031325"/>
+          </a:xfrm>
+          <a:prstGeom prst="rect">
+            <a:avLst/>
+          </a:prstGeom>
+          <a:noFill/>
+          <a:ln>
+            <a:noFill/>
+          </a:ln>
+          <a:effectLst/>
+          <a:extLst>
+            <a:ext uri="{909E8E84-426E-40DD-AFC4-6F175D3DCCD1}">
+              <a14:hiddenFill xmlns:a14="http://schemas.microsoft.com/office/drawing/2010/main">
+                <a:solidFill>
+                  <a:schemeClr val="accent1"/>
+                </a:solidFill>
+              </a14:hiddenFill>
+            </a:ext>
+            <a:ext uri="{91240B29-F687-4F45-9708-019B960494DF}">
+              <a14:hiddenLine xmlns:a14="http://schemas.microsoft.com/office/drawing/2010/main" w="9525">
+                <a:solidFill>
+                  <a:schemeClr val="tx1"/>
+                </a:solidFill>
+                <a:miter lim="800000"/>
+                <a:headEnd/>
+                <a:tailEnd/>
+              </a14:hiddenLine>
+            </a:ext>
+            <a:ext uri="{AF507438-7753-43E0-B8FC-AC1667EBCBE1}">
+              <a14:hiddenEffects xmlns:a14="http://schemas.microsoft.com/office/drawing/2010/main">
+                <a:effectLst>
+                  <a:outerShdw dist="35921" dir="2700000" algn="ctr" rotWithShape="0">
+                    <a:schemeClr val="bg2"/>
+                  </a:outerShdw>
+                </a:effectLst>
+              </a14:hiddenEffects>
+            </a:ext>
+          </a:extLst>
+        </p:spPr>
+        <p:txBody>
+          <a:bodyPr vert="horz" wrap="square" lIns="91440" tIns="45720" rIns="91440" bIns="45720" numCol="1" anchor="ctr" anchorCtr="0" compatLnSpc="1">
+            <a:prstTxWarp prst="textNoShape">
+              <a:avLst/>
+            </a:prstTxWarp>
+            <a:spAutoFit/>
+          </a:bodyPr>
+          <a:lstStyle/>
+          <a:p>
+            <a:pPr marL="0" marR="0" lvl="0" indent="0" algn="l" defTabSz="914400" rtl="0" eaLnBrk="0" fontAlgn="base" latinLnBrk="0" hangingPunct="0">
+              <a:lnSpc>
+                <a:spcPct val="100000"/>
+              </a:lnSpc>
+              <a:spcBef>
+                <a:spcPct val="0"/>
+              </a:spcBef>
+              <a:spcAft>
+                <a:spcPct val="0"/>
+              </a:spcAft>
+              <a:buClrTx/>
+              <a:buSzTx/>
+              <a:buFontTx/>
+              <a:buChar char="•"/>
+              <a:tabLst/>
+            </a:pPr>
+            <a:r>
+              <a:rPr kumimoji="0" lang="hu-HU" altLang="hu-HU" sz="1800" b="0" i="0" u="none" strike="noStrike" cap="none" normalizeH="0" baseline="0" dirty="0">
+                <a:ln>
+                  <a:noFill/>
+                </a:ln>
+                <a:solidFill>
+                  <a:schemeClr val="tx1"/>
+                </a:solidFill>
+                <a:effectLst/>
+                <a:latin typeface="Arial" panose="020B0604020202020204" pitchFamily="34" charset="0"/>
+              </a:rPr>
+              <a:t>Importálja az </a:t>
+            </a:r>
+            <a:r>
+              <a:rPr kumimoji="0" lang="hu-HU" altLang="hu-HU" sz="1800" b="0" i="0" u="none" strike="noStrike" cap="none" normalizeH="0" baseline="0" dirty="0">
+                <a:ln>
+                  <a:noFill/>
+                </a:ln>
+                <a:solidFill>
+                  <a:schemeClr val="tx1"/>
+                </a:solidFill>
+                <a:effectLst/>
+                <a:latin typeface="Arial" panose="020B0604020202020204" pitchFamily="34" charset="0"/>
+                <a:cs typeface="Arial" panose="020B0604020202020204" pitchFamily="34" charset="0"/>
+              </a:rPr>
+              <a:t>cv2 és </a:t>
+            </a:r>
+            <a:r>
+              <a:rPr kumimoji="0" lang="hu-HU" altLang="hu-HU" sz="1800" b="0" i="0" u="none" strike="noStrike" cap="none" normalizeH="0" baseline="0" dirty="0" err="1">
+                <a:ln>
+                  <a:noFill/>
+                </a:ln>
+                <a:solidFill>
+                  <a:schemeClr val="tx1"/>
+                </a:solidFill>
+                <a:effectLst/>
+                <a:latin typeface="Arial" panose="020B0604020202020204" pitchFamily="34" charset="0"/>
+                <a:cs typeface="Arial" panose="020B0604020202020204" pitchFamily="34" charset="0"/>
+              </a:rPr>
+              <a:t>numpy</a:t>
+            </a:r>
+            <a:r>
+              <a:rPr kumimoji="0" lang="hu-HU" altLang="hu-HU" sz="1800" b="0" i="0" u="none" strike="noStrike" cap="none" normalizeH="0" baseline="0" dirty="0">
+                <a:ln>
+                  <a:noFill/>
+                </a:ln>
+                <a:solidFill>
+                  <a:schemeClr val="tx1"/>
+                </a:solidFill>
+                <a:effectLst/>
+                <a:latin typeface="Arial" panose="020B0604020202020204" pitchFamily="34" charset="0"/>
+                <a:cs typeface="Arial" panose="020B0604020202020204" pitchFamily="34" charset="0"/>
+              </a:rPr>
+              <a:t> könyvtárakat.</a:t>
+            </a:r>
+          </a:p>
+          <a:p>
+            <a:pPr marL="0" marR="0" lvl="0" indent="0" algn="l" defTabSz="914400" rtl="0" eaLnBrk="0" fontAlgn="base" latinLnBrk="0" hangingPunct="0">
+              <a:lnSpc>
+                <a:spcPct val="100000"/>
+              </a:lnSpc>
+              <a:spcBef>
+                <a:spcPct val="0"/>
+              </a:spcBef>
+              <a:spcAft>
+                <a:spcPct val="0"/>
+              </a:spcAft>
+              <a:buClrTx/>
+              <a:buSzTx/>
+              <a:buFontTx/>
+              <a:buChar char="•"/>
+              <a:tabLst/>
+            </a:pPr>
+            <a:r>
+              <a:rPr lang="hu-HU" altLang="hu-HU" sz="1800" dirty="0">
+                <a:solidFill>
+                  <a:schemeClr val="tx1"/>
+                </a:solidFill>
+                <a:latin typeface="Arial" panose="020B0604020202020204" pitchFamily="34" charset="0"/>
+              </a:rPr>
+              <a:t>Elmenti egy változóba a </a:t>
+            </a:r>
+            <a:r>
+              <a:rPr kumimoji="0" lang="hu-HU" altLang="hu-HU" sz="1800" b="0" i="0" u="none" strike="noStrike" cap="none" normalizeH="0" baseline="0" dirty="0">
+                <a:ln>
+                  <a:noFill/>
+                </a:ln>
+                <a:solidFill>
+                  <a:schemeClr val="tx1"/>
+                </a:solidFill>
+                <a:effectLst/>
+                <a:latin typeface="Arial" panose="020B0604020202020204" pitchFamily="34" charset="0"/>
+              </a:rPr>
+              <a:t>szélességet (540) és magasságot (640).</a:t>
+            </a:r>
+          </a:p>
+          <a:p>
+            <a:pPr marL="0" marR="0" lvl="0" indent="0" algn="l" defTabSz="914400" rtl="0" eaLnBrk="0" fontAlgn="base" latinLnBrk="0" hangingPunct="0">
+              <a:lnSpc>
+                <a:spcPct val="100000"/>
+              </a:lnSpc>
+              <a:spcBef>
+                <a:spcPct val="0"/>
+              </a:spcBef>
+              <a:spcAft>
+                <a:spcPct val="0"/>
+              </a:spcAft>
+              <a:buClrTx/>
+              <a:buSzTx/>
+              <a:buFontTx/>
+              <a:buChar char="•"/>
+              <a:tabLst/>
+            </a:pPr>
+            <a:r>
+              <a:rPr kumimoji="0" lang="hu-HU" altLang="hu-HU" sz="1800" b="0" i="0" u="none" strike="noStrike" cap="none" normalizeH="0" baseline="0" dirty="0">
+                <a:ln>
+                  <a:noFill/>
+                </a:ln>
+                <a:solidFill>
+                  <a:schemeClr val="tx1"/>
+                </a:solidFill>
+                <a:effectLst/>
+                <a:latin typeface="Arial" panose="020B0604020202020204" pitchFamily="34" charset="0"/>
+              </a:rPr>
+              <a:t>Megnyitja az alapértelmezett kamerát.</a:t>
+            </a:r>
+          </a:p>
+          <a:p>
+            <a:pPr marL="0" marR="0" lvl="0" indent="0" algn="l" defTabSz="914400" rtl="0" eaLnBrk="0" fontAlgn="base" latinLnBrk="0" hangingPunct="0">
+              <a:lnSpc>
+                <a:spcPct val="100000"/>
+              </a:lnSpc>
+              <a:spcBef>
+                <a:spcPct val="0"/>
+              </a:spcBef>
+              <a:spcAft>
+                <a:spcPct val="0"/>
+              </a:spcAft>
+              <a:buClrTx/>
+              <a:buSzTx/>
+              <a:buFontTx/>
+              <a:buChar char="•"/>
+              <a:tabLst/>
+            </a:pPr>
+            <a:r>
+              <a:rPr kumimoji="0" lang="hu-HU" altLang="hu-HU" sz="1800" b="0" i="0" u="none" strike="noStrike" cap="none" normalizeH="0" baseline="0" dirty="0">
+                <a:ln>
+                  <a:noFill/>
+                </a:ln>
+                <a:solidFill>
+                  <a:schemeClr val="tx1"/>
+                </a:solidFill>
+                <a:effectLst/>
+                <a:latin typeface="Arial" panose="020B0604020202020204" pitchFamily="34" charset="0"/>
+              </a:rPr>
+              <a:t>Beállítja a kamera szélességét és magasságát.</a:t>
+            </a:r>
+          </a:p>
+          <a:p>
+            <a:pPr marL="0" marR="0" lvl="0" indent="0" algn="l" defTabSz="914400" rtl="0" eaLnBrk="0" fontAlgn="base" latinLnBrk="0" hangingPunct="0">
+              <a:lnSpc>
+                <a:spcPct val="100000"/>
+              </a:lnSpc>
+              <a:spcBef>
+                <a:spcPct val="0"/>
+              </a:spcBef>
+              <a:spcAft>
+                <a:spcPct val="0"/>
+              </a:spcAft>
+              <a:buClrTx/>
+              <a:buSzTx/>
+              <a:buFontTx/>
+              <a:buChar char="•"/>
+              <a:tabLst/>
+            </a:pPr>
+            <a:r>
+              <a:rPr kumimoji="0" lang="hu-HU" altLang="hu-HU" sz="1800" b="0" i="0" u="none" strike="noStrike" cap="none" normalizeH="0" baseline="0" dirty="0">
+                <a:ln>
+                  <a:noFill/>
+                </a:ln>
+                <a:solidFill>
+                  <a:schemeClr val="tx1"/>
+                </a:solidFill>
+                <a:effectLst/>
+                <a:latin typeface="Arial" panose="020B0604020202020204" pitchFamily="34" charset="0"/>
+              </a:rPr>
+              <a:t>Beállítja a fényerőt (150).</a:t>
+            </a:r>
+          </a:p>
+        </p:txBody>
+      </p:sp>
+    </p:spTree>
+    <p:extLst>
+      <p:ext uri="{BB962C8B-B14F-4D97-AF65-F5344CB8AC3E}">
+        <p14:creationId xmlns:p14="http://schemas.microsoft.com/office/powerpoint/2010/main" val="3238330421"/>
+      </p:ext>
+    </p:extLst>
+  </p:cSld>
+  <p:clrMapOvr>
+    <a:masterClrMapping/>
+  </p:clrMapOvr>
+</p:sld>
+</file>
+
+<file path=ppt/slides/slide13.xml><?xml version="1.0" encoding="utf-8"?>
+<p:sld xmlns:a="http://schemas.openxmlformats.org/drawingml/2006/main" xmlns:r="http://schemas.openxmlformats.org/officeDocument/2006/relationships" xmlns:p="http://schemas.openxmlformats.org/presentationml/2006/main">
+  <p:cSld>
+    <p:spTree>
+      <p:nvGrpSpPr>
+        <p:cNvPr id="1" name=""/>
+        <p:cNvGrpSpPr/>
+        <p:nvPr/>
+      </p:nvGrpSpPr>
+      <p:grpSpPr>
+        <a:xfrm>
+          <a:off x="0" y="0"/>
+          <a:ext cx="0" cy="0"/>
+          <a:chOff x="0" y="0"/>
+          <a:chExt cx="0" cy="0"/>
+        </a:xfrm>
+      </p:grpSpPr>
+      <p:sp>
+        <p:nvSpPr>
+          <p:cNvPr id="4" name="Rectangle 1">
+            <a:extLst>
+              <a:ext uri="{FF2B5EF4-FFF2-40B4-BE49-F238E27FC236}">
+                <a16:creationId xmlns:a16="http://schemas.microsoft.com/office/drawing/2014/main" id="{419A6709-73BA-44E9-B98F-8E77F2FA863D}"/>
+              </a:ext>
+            </a:extLst>
+          </p:cNvPr>
+          <p:cNvSpPr>
+            <a:spLocks noGrp="1" noChangeArrowheads="1"/>
+          </p:cNvSpPr>
+          <p:nvPr>
+            <p:ph idx="1"/>
+          </p:nvPr>
+        </p:nvSpPr>
+        <p:spPr bwMode="auto">
+          <a:xfrm>
+            <a:off x="6024068" y="2991693"/>
+            <a:ext cx="4965510" cy="1754326"/>
+          </a:xfrm>
+          <a:prstGeom prst="rect">
+            <a:avLst/>
+          </a:prstGeom>
+          <a:noFill/>
+          <a:ln>
+            <a:noFill/>
+          </a:ln>
+          <a:effectLst/>
+          <a:extLst>
+            <a:ext uri="{909E8E84-426E-40DD-AFC4-6F175D3DCCD1}">
+              <a14:hiddenFill xmlns:a14="http://schemas.microsoft.com/office/drawing/2010/main">
+                <a:solidFill>
+                  <a:schemeClr val="accent1"/>
+                </a:solidFill>
+              </a14:hiddenFill>
+            </a:ext>
+            <a:ext uri="{91240B29-F687-4F45-9708-019B960494DF}">
+              <a14:hiddenLine xmlns:a14="http://schemas.microsoft.com/office/drawing/2010/main" w="9525">
+                <a:solidFill>
+                  <a:schemeClr val="tx1"/>
+                </a:solidFill>
+                <a:miter lim="800000"/>
+                <a:headEnd/>
+                <a:tailEnd/>
+              </a14:hiddenLine>
+            </a:ext>
+            <a:ext uri="{AF507438-7753-43E0-B8FC-AC1667EBCBE1}">
+              <a14:hiddenEffects xmlns:a14="http://schemas.microsoft.com/office/drawing/2010/main">
+                <a:effectLst>
+                  <a:outerShdw dist="35921" dir="2700000" algn="ctr" rotWithShape="0">
+                    <a:schemeClr val="bg2"/>
+                  </a:outerShdw>
+                </a:effectLst>
+              </a14:hiddenEffects>
+            </a:ext>
+          </a:extLst>
+        </p:spPr>
+        <p:txBody>
+          <a:bodyPr vert="horz" wrap="square" lIns="91440" tIns="45720" rIns="91440" bIns="45720" numCol="1" anchor="ctr" anchorCtr="0" compatLnSpc="1">
+            <a:prstTxWarp prst="textNoShape">
+              <a:avLst/>
+            </a:prstTxWarp>
+            <a:spAutoFit/>
+          </a:bodyPr>
+          <a:lstStyle/>
+          <a:p>
+            <a:pPr marL="0" marR="0" lvl="0" indent="0" algn="l" defTabSz="914400" rtl="0" eaLnBrk="0" fontAlgn="base" latinLnBrk="0" hangingPunct="0">
+              <a:lnSpc>
+                <a:spcPct val="100000"/>
+              </a:lnSpc>
+              <a:spcBef>
+                <a:spcPct val="0"/>
+              </a:spcBef>
+              <a:spcAft>
+                <a:spcPct val="0"/>
+              </a:spcAft>
+              <a:buClrTx/>
+              <a:buSzTx/>
+              <a:buFontTx/>
+              <a:buChar char="•"/>
+              <a:tabLst/>
+            </a:pPr>
+            <a:r>
+              <a:rPr kumimoji="0" lang="hu-HU" altLang="hu-HU" sz="1800" b="0" i="0" u="none" strike="noStrike" cap="none" normalizeH="0" baseline="0" dirty="0">
+                <a:ln>
+                  <a:noFill/>
+                </a:ln>
+                <a:solidFill>
+                  <a:schemeClr val="tx1"/>
+                </a:solidFill>
+                <a:effectLst/>
+                <a:latin typeface="Arial" panose="020B0604020202020204" pitchFamily="34" charset="0"/>
+              </a:rPr>
+              <a:t>Átalakítja a képet szürke </a:t>
+            </a:r>
+            <a:r>
+              <a:rPr kumimoji="0" lang="hu-HU" altLang="hu-HU" sz="1800" b="0" i="0" u="none" strike="noStrike" cap="none" normalizeH="0" baseline="0" dirty="0" err="1">
+                <a:ln>
+                  <a:noFill/>
+                </a:ln>
+                <a:solidFill>
+                  <a:schemeClr val="tx1"/>
+                </a:solidFill>
+                <a:effectLst/>
+                <a:latin typeface="Arial" panose="020B0604020202020204" pitchFamily="34" charset="0"/>
+              </a:rPr>
+              <a:t>árnyalatosra</a:t>
+            </a:r>
+            <a:r>
+              <a:rPr kumimoji="0" lang="hu-HU" altLang="hu-HU" sz="1800" b="0" i="0" u="none" strike="noStrike" cap="none" normalizeH="0" baseline="0" dirty="0">
+                <a:ln>
+                  <a:noFill/>
+                </a:ln>
+                <a:solidFill>
+                  <a:schemeClr val="tx1"/>
+                </a:solidFill>
+                <a:effectLst/>
+                <a:latin typeface="Arial" panose="020B0604020202020204" pitchFamily="34" charset="0"/>
+              </a:rPr>
+              <a:t>.</a:t>
+            </a:r>
+          </a:p>
+          <a:p>
+            <a:pPr marL="0" marR="0" lvl="0" indent="0" algn="l" defTabSz="914400" rtl="0" eaLnBrk="0" fontAlgn="base" latinLnBrk="0" hangingPunct="0">
+              <a:lnSpc>
+                <a:spcPct val="100000"/>
+              </a:lnSpc>
+              <a:spcBef>
+                <a:spcPct val="0"/>
+              </a:spcBef>
+              <a:spcAft>
+                <a:spcPct val="0"/>
+              </a:spcAft>
+              <a:buClrTx/>
+              <a:buSzTx/>
+              <a:buFontTx/>
+              <a:buChar char="•"/>
+              <a:tabLst/>
+            </a:pPr>
+            <a:r>
+              <a:rPr kumimoji="0" lang="hu-HU" altLang="hu-HU" sz="1800" b="0" i="0" u="none" strike="noStrike" cap="none" normalizeH="0" baseline="0" dirty="0">
+                <a:ln>
+                  <a:noFill/>
+                </a:ln>
+                <a:solidFill>
+                  <a:schemeClr val="tx1"/>
+                </a:solidFill>
+                <a:effectLst/>
+                <a:latin typeface="Arial" panose="020B0604020202020204" pitchFamily="34" charset="0"/>
+              </a:rPr>
+              <a:t>Elmosódást alkalmaz a képen.</a:t>
+            </a:r>
+          </a:p>
+          <a:p>
+            <a:pPr marL="0" marR="0" lvl="0" indent="0" algn="l" defTabSz="914400" rtl="0" eaLnBrk="0" fontAlgn="base" latinLnBrk="0" hangingPunct="0">
+              <a:lnSpc>
+                <a:spcPct val="100000"/>
+              </a:lnSpc>
+              <a:spcBef>
+                <a:spcPct val="0"/>
+              </a:spcBef>
+              <a:spcAft>
+                <a:spcPct val="0"/>
+              </a:spcAft>
+              <a:buClrTx/>
+              <a:buSzTx/>
+              <a:buFontTx/>
+              <a:buChar char="•"/>
+              <a:tabLst/>
+            </a:pPr>
+            <a:r>
+              <a:rPr kumimoji="0" lang="hu-HU" altLang="hu-HU" sz="1800" b="0" i="0" u="none" strike="noStrike" cap="none" normalizeH="0" baseline="0" dirty="0" err="1">
+                <a:ln>
+                  <a:noFill/>
+                </a:ln>
+                <a:solidFill>
+                  <a:schemeClr val="tx1"/>
+                </a:solidFill>
+                <a:effectLst/>
+                <a:latin typeface="Arial" panose="020B0604020202020204" pitchFamily="34" charset="0"/>
+              </a:rPr>
+              <a:t>Canny</a:t>
+            </a:r>
+            <a:r>
+              <a:rPr kumimoji="0" lang="hu-HU" altLang="hu-HU" sz="1800" b="0" i="0" u="none" strike="noStrike" cap="none" normalizeH="0" baseline="0" dirty="0">
+                <a:ln>
+                  <a:noFill/>
+                </a:ln>
+                <a:solidFill>
+                  <a:schemeClr val="tx1"/>
+                </a:solidFill>
+                <a:effectLst/>
+                <a:latin typeface="Arial" panose="020B0604020202020204" pitchFamily="34" charset="0"/>
+              </a:rPr>
+              <a:t> élszűrést végez.</a:t>
+            </a:r>
+          </a:p>
+          <a:p>
+            <a:pPr marL="0" marR="0" lvl="0" indent="0" algn="l" defTabSz="914400" rtl="0" eaLnBrk="0" fontAlgn="base" latinLnBrk="0" hangingPunct="0">
+              <a:lnSpc>
+                <a:spcPct val="100000"/>
+              </a:lnSpc>
+              <a:spcBef>
+                <a:spcPct val="0"/>
+              </a:spcBef>
+              <a:spcAft>
+                <a:spcPct val="0"/>
+              </a:spcAft>
+              <a:buClrTx/>
+              <a:buSzTx/>
+              <a:buFontTx/>
+              <a:buChar char="•"/>
+              <a:tabLst/>
+            </a:pPr>
+            <a:r>
+              <a:rPr kumimoji="0" lang="hu-HU" altLang="hu-HU" sz="1800" b="0" i="0" u="none" strike="noStrike" cap="none" normalizeH="0" baseline="0" dirty="0">
+                <a:ln>
+                  <a:noFill/>
+                </a:ln>
+                <a:solidFill>
+                  <a:schemeClr val="tx1"/>
+                </a:solidFill>
+                <a:effectLst/>
+                <a:latin typeface="Arial" panose="020B0604020202020204" pitchFamily="34" charset="0"/>
+              </a:rPr>
+              <a:t>Kiterjeszti az éleket.</a:t>
+            </a:r>
+          </a:p>
+          <a:p>
+            <a:pPr marL="0" marR="0" lvl="0" indent="0" algn="l" defTabSz="914400" rtl="0" eaLnBrk="0" fontAlgn="base" latinLnBrk="0" hangingPunct="0">
+              <a:lnSpc>
+                <a:spcPct val="100000"/>
+              </a:lnSpc>
+              <a:spcBef>
+                <a:spcPct val="0"/>
+              </a:spcBef>
+              <a:spcAft>
+                <a:spcPct val="0"/>
+              </a:spcAft>
+              <a:buClrTx/>
+              <a:buSzTx/>
+              <a:buFontTx/>
+              <a:buChar char="•"/>
+              <a:tabLst/>
+            </a:pPr>
+            <a:r>
+              <a:rPr kumimoji="0" lang="hu-HU" altLang="hu-HU" sz="1800" b="0" i="0" u="none" strike="noStrike" cap="none" normalizeH="0" baseline="0" dirty="0" err="1">
+                <a:ln>
+                  <a:noFill/>
+                </a:ln>
+                <a:solidFill>
+                  <a:schemeClr val="tx1"/>
+                </a:solidFill>
+                <a:effectLst/>
+                <a:latin typeface="Arial" panose="020B0604020202020204" pitchFamily="34" charset="0"/>
+              </a:rPr>
+              <a:t>Erosziót</a:t>
+            </a:r>
+            <a:r>
+              <a:rPr kumimoji="0" lang="hu-HU" altLang="hu-HU" sz="1800" b="0" i="0" u="none" strike="noStrike" cap="none" normalizeH="0" baseline="0" dirty="0">
+                <a:ln>
+                  <a:noFill/>
+                </a:ln>
+                <a:solidFill>
+                  <a:schemeClr val="tx1"/>
+                </a:solidFill>
+                <a:effectLst/>
+                <a:latin typeface="Arial" panose="020B0604020202020204" pitchFamily="34" charset="0"/>
+              </a:rPr>
+              <a:t> alkalmaz az éleken.</a:t>
+            </a:r>
+          </a:p>
+          <a:p>
+            <a:pPr marL="0" marR="0" lvl="0" indent="0" algn="l" defTabSz="914400" rtl="0" eaLnBrk="0" fontAlgn="base" latinLnBrk="0" hangingPunct="0">
+              <a:lnSpc>
+                <a:spcPct val="100000"/>
+              </a:lnSpc>
+              <a:spcBef>
+                <a:spcPct val="0"/>
+              </a:spcBef>
+              <a:spcAft>
+                <a:spcPct val="0"/>
+              </a:spcAft>
+              <a:buClrTx/>
+              <a:buSzTx/>
+              <a:buFontTx/>
+              <a:buChar char="•"/>
+              <a:tabLst/>
+            </a:pPr>
+            <a:r>
+              <a:rPr kumimoji="0" lang="hu-HU" altLang="hu-HU" sz="1800" b="0" i="0" u="none" strike="noStrike" cap="none" normalizeH="0" baseline="0" dirty="0">
+                <a:ln>
+                  <a:noFill/>
+                </a:ln>
+                <a:solidFill>
+                  <a:schemeClr val="tx1"/>
+                </a:solidFill>
+                <a:effectLst/>
+                <a:latin typeface="Arial" panose="020B0604020202020204" pitchFamily="34" charset="0"/>
+              </a:rPr>
+              <a:t>Visszaadja az előfeldolgozott képet.</a:t>
+            </a:r>
+          </a:p>
+        </p:txBody>
+      </p:sp>
+      <p:pic>
+        <p:nvPicPr>
+          <p:cNvPr id="5" name="Kép 4">
+            <a:extLst>
+              <a:ext uri="{FF2B5EF4-FFF2-40B4-BE49-F238E27FC236}">
+                <a16:creationId xmlns:a16="http://schemas.microsoft.com/office/drawing/2014/main" id="{ACB31F74-352E-41DB-8987-11D27E789526}"/>
+              </a:ext>
+            </a:extLst>
+          </p:cNvPr>
+          <p:cNvPicPr>
+            <a:picLocks noChangeAspect="1"/>
+          </p:cNvPicPr>
+          <p:nvPr/>
+        </p:nvPicPr>
+        <p:blipFill>
+          <a:blip r:embed="rId2"/>
+          <a:stretch>
+            <a:fillRect/>
+          </a:stretch>
+        </p:blipFill>
+        <p:spPr>
+          <a:xfrm>
+            <a:off x="980509" y="2920986"/>
+            <a:ext cx="4582164" cy="1895740"/>
+          </a:xfrm>
+          <a:prstGeom prst="rect">
+            <a:avLst/>
+          </a:prstGeom>
+        </p:spPr>
+      </p:pic>
+    </p:spTree>
+    <p:extLst>
+      <p:ext uri="{BB962C8B-B14F-4D97-AF65-F5344CB8AC3E}">
+        <p14:creationId xmlns:p14="http://schemas.microsoft.com/office/powerpoint/2010/main" val="1398111343"/>
+      </p:ext>
+    </p:extLst>
+  </p:cSld>
+  <p:clrMapOvr>
+    <a:masterClrMapping/>
+  </p:clrMapOvr>
+</p:sld>
+</file>
+
+<file path=ppt/slides/slide14.xml><?xml version="1.0" encoding="utf-8"?>
+<p:sld xmlns:a="http://schemas.openxmlformats.org/drawingml/2006/main" xmlns:r="http://schemas.openxmlformats.org/officeDocument/2006/relationships" xmlns:p="http://schemas.openxmlformats.org/presentationml/2006/main">
+  <p:cSld>
+    <p:spTree>
+      <p:nvGrpSpPr>
+        <p:cNvPr id="1" name=""/>
+        <p:cNvGrpSpPr/>
+        <p:nvPr/>
+      </p:nvGrpSpPr>
+      <p:grpSpPr>
+        <a:xfrm>
+          <a:off x="0" y="0"/>
+          <a:ext cx="0" cy="0"/>
+          <a:chOff x="0" y="0"/>
+          <a:chExt cx="0" cy="0"/>
+        </a:xfrm>
+      </p:grpSpPr>
+      <p:sp>
+        <p:nvSpPr>
+          <p:cNvPr id="4" name="Rectangle 1">
+            <a:extLst>
+              <a:ext uri="{FF2B5EF4-FFF2-40B4-BE49-F238E27FC236}">
+                <a16:creationId xmlns:a16="http://schemas.microsoft.com/office/drawing/2014/main" id="{F51F954D-54D7-4098-9A93-8041DEE8A5AF}"/>
+              </a:ext>
+            </a:extLst>
+          </p:cNvPr>
+          <p:cNvSpPr>
+            <a:spLocks noGrp="1" noChangeArrowheads="1"/>
+          </p:cNvSpPr>
+          <p:nvPr>
+            <p:ph idx="1"/>
+          </p:nvPr>
+        </p:nvSpPr>
+        <p:spPr bwMode="auto">
+          <a:xfrm>
+            <a:off x="6946083" y="3267368"/>
+            <a:ext cx="4412609" cy="1815882"/>
+          </a:xfrm>
+          <a:prstGeom prst="rect">
+            <a:avLst/>
+          </a:prstGeom>
+          <a:noFill/>
+          <a:ln>
+            <a:noFill/>
+          </a:ln>
+          <a:effectLst/>
+          <a:extLst>
+            <a:ext uri="{909E8E84-426E-40DD-AFC4-6F175D3DCCD1}">
+              <a14:hiddenFill xmlns:a14="http://schemas.microsoft.com/office/drawing/2010/main">
+                <a:solidFill>
+                  <a:schemeClr val="accent1"/>
+                </a:solidFill>
+              </a14:hiddenFill>
+            </a:ext>
+            <a:ext uri="{91240B29-F687-4F45-9708-019B960494DF}">
+              <a14:hiddenLine xmlns:a14="http://schemas.microsoft.com/office/drawing/2010/main" w="9525">
+                <a:solidFill>
+                  <a:schemeClr val="tx1"/>
+                </a:solidFill>
+                <a:miter lim="800000"/>
+                <a:headEnd/>
+                <a:tailEnd/>
+              </a14:hiddenLine>
+            </a:ext>
+            <a:ext uri="{AF507438-7753-43E0-B8FC-AC1667EBCBE1}">
+              <a14:hiddenEffects xmlns:a14="http://schemas.microsoft.com/office/drawing/2010/main">
+                <a:effectLst>
+                  <a:outerShdw dist="35921" dir="2700000" algn="ctr" rotWithShape="0">
+                    <a:schemeClr val="bg2"/>
+                  </a:outerShdw>
+                </a:effectLst>
+              </a14:hiddenEffects>
+            </a:ext>
+          </a:extLst>
+        </p:spPr>
+        <p:txBody>
+          <a:bodyPr vert="horz" wrap="square" lIns="91440" tIns="45720" rIns="91440" bIns="45720" numCol="1" anchor="ctr" anchorCtr="0" compatLnSpc="1">
+            <a:prstTxWarp prst="textNoShape">
+              <a:avLst/>
+            </a:prstTxWarp>
+            <a:spAutoFit/>
+          </a:bodyPr>
+          <a:lstStyle/>
+          <a:p>
+            <a:pPr marL="0" marR="0" lvl="0" indent="0" algn="l" defTabSz="914400" rtl="0" eaLnBrk="0" fontAlgn="base" latinLnBrk="0" hangingPunct="0">
+              <a:lnSpc>
+                <a:spcPct val="100000"/>
+              </a:lnSpc>
+              <a:spcBef>
+                <a:spcPct val="0"/>
+              </a:spcBef>
+              <a:spcAft>
+                <a:spcPct val="0"/>
+              </a:spcAft>
+              <a:buClrTx/>
+              <a:buSzTx/>
+              <a:buFontTx/>
+              <a:buChar char="•"/>
+              <a:tabLst/>
+            </a:pPr>
+            <a:r>
+              <a:rPr kumimoji="0" lang="hu-HU" altLang="hu-HU" sz="1400" b="0" i="0" u="none" strike="noStrike" cap="none" normalizeH="0" baseline="0" dirty="0">
+                <a:ln>
+                  <a:noFill/>
+                </a:ln>
+                <a:solidFill>
+                  <a:schemeClr val="tx1"/>
+                </a:solidFill>
+                <a:effectLst/>
+                <a:latin typeface="Arial" panose="020B0604020202020204" pitchFamily="34" charset="0"/>
+              </a:rPr>
+              <a:t>Kiszámítja a kontúrokat.</a:t>
+            </a:r>
+          </a:p>
+          <a:p>
+            <a:pPr marL="0" marR="0" lvl="0" indent="0" algn="l" defTabSz="914400" rtl="0" eaLnBrk="0" fontAlgn="base" latinLnBrk="0" hangingPunct="0">
+              <a:lnSpc>
+                <a:spcPct val="100000"/>
+              </a:lnSpc>
+              <a:spcBef>
+                <a:spcPct val="0"/>
+              </a:spcBef>
+              <a:spcAft>
+                <a:spcPct val="0"/>
+              </a:spcAft>
+              <a:buClrTx/>
+              <a:buSzTx/>
+              <a:buFontTx/>
+              <a:buChar char="•"/>
+              <a:tabLst/>
+            </a:pPr>
+            <a:r>
+              <a:rPr kumimoji="0" lang="hu-HU" altLang="hu-HU" sz="1400" b="0" i="0" u="none" strike="noStrike" cap="none" normalizeH="0" baseline="0" dirty="0">
+                <a:ln>
+                  <a:noFill/>
+                </a:ln>
+                <a:solidFill>
+                  <a:schemeClr val="tx1"/>
+                </a:solidFill>
+                <a:effectLst/>
+                <a:latin typeface="Arial" panose="020B0604020202020204" pitchFamily="34" charset="0"/>
+              </a:rPr>
+              <a:t>Ellenőrzi a kontúrok területét.</a:t>
+            </a:r>
+          </a:p>
+          <a:p>
+            <a:pPr marL="0" marR="0" lvl="0" indent="0" algn="l" defTabSz="914400" rtl="0" eaLnBrk="0" fontAlgn="base" latinLnBrk="0" hangingPunct="0">
+              <a:lnSpc>
+                <a:spcPct val="100000"/>
+              </a:lnSpc>
+              <a:spcBef>
+                <a:spcPct val="0"/>
+              </a:spcBef>
+              <a:spcAft>
+                <a:spcPct val="0"/>
+              </a:spcAft>
+              <a:buClrTx/>
+              <a:buSzTx/>
+              <a:buFontTx/>
+              <a:buChar char="•"/>
+              <a:tabLst/>
+            </a:pPr>
+            <a:r>
+              <a:rPr kumimoji="0" lang="hu-HU" altLang="hu-HU" sz="1400" b="0" i="0" u="none" strike="noStrike" cap="none" normalizeH="0" baseline="0" dirty="0">
+                <a:ln>
+                  <a:noFill/>
+                </a:ln>
+                <a:solidFill>
+                  <a:schemeClr val="tx1"/>
+                </a:solidFill>
+                <a:effectLst/>
+                <a:latin typeface="Arial" panose="020B0604020202020204" pitchFamily="34" charset="0"/>
+              </a:rPr>
+              <a:t>Ha a terület nagyobb, mint 5000, kiszámolja a kerületet.</a:t>
+            </a:r>
+          </a:p>
+          <a:p>
+            <a:pPr marL="0" marR="0" lvl="0" indent="0" algn="l" defTabSz="914400" rtl="0" eaLnBrk="0" fontAlgn="base" latinLnBrk="0" hangingPunct="0">
+              <a:lnSpc>
+                <a:spcPct val="100000"/>
+              </a:lnSpc>
+              <a:spcBef>
+                <a:spcPct val="0"/>
+              </a:spcBef>
+              <a:spcAft>
+                <a:spcPct val="0"/>
+              </a:spcAft>
+              <a:buClrTx/>
+              <a:buSzTx/>
+              <a:buFontTx/>
+              <a:buChar char="•"/>
+              <a:tabLst/>
+            </a:pPr>
+            <a:r>
+              <a:rPr kumimoji="0" lang="hu-HU" altLang="hu-HU" sz="1400" b="0" i="0" u="none" strike="noStrike" cap="none" normalizeH="0" baseline="0" dirty="0">
+                <a:ln>
+                  <a:noFill/>
+                </a:ln>
+                <a:solidFill>
+                  <a:schemeClr val="tx1"/>
+                </a:solidFill>
+                <a:effectLst/>
+                <a:latin typeface="Arial" panose="020B0604020202020204" pitchFamily="34" charset="0"/>
+              </a:rPr>
+              <a:t>Ha a kontúr négy szögből áll és a legnagyobb területű, eltárolja.</a:t>
+            </a:r>
+          </a:p>
+          <a:p>
+            <a:pPr marL="0" marR="0" lvl="0" indent="0" algn="l" defTabSz="914400" rtl="0" eaLnBrk="0" fontAlgn="base" latinLnBrk="0" hangingPunct="0">
+              <a:lnSpc>
+                <a:spcPct val="100000"/>
+              </a:lnSpc>
+              <a:spcBef>
+                <a:spcPct val="0"/>
+              </a:spcBef>
+              <a:spcAft>
+                <a:spcPct val="0"/>
+              </a:spcAft>
+              <a:buClrTx/>
+              <a:buSzTx/>
+              <a:buFontTx/>
+              <a:buChar char="•"/>
+              <a:tabLst/>
+            </a:pPr>
+            <a:r>
+              <a:rPr kumimoji="0" lang="hu-HU" altLang="hu-HU" sz="1400" b="0" i="0" u="none" strike="noStrike" cap="none" normalizeH="0" baseline="0" dirty="0">
+                <a:ln>
+                  <a:noFill/>
+                </a:ln>
+                <a:solidFill>
+                  <a:schemeClr val="tx1"/>
+                </a:solidFill>
+                <a:effectLst/>
+                <a:latin typeface="Arial" panose="020B0604020202020204" pitchFamily="34" charset="0"/>
+              </a:rPr>
+              <a:t>Ha megtalálja a legnagyobb kontúrt, kirajzolja azt.</a:t>
+            </a:r>
+          </a:p>
+          <a:p>
+            <a:pPr marL="0" marR="0" lvl="0" indent="0" algn="l" defTabSz="914400" rtl="0" eaLnBrk="0" fontAlgn="base" latinLnBrk="0" hangingPunct="0">
+              <a:lnSpc>
+                <a:spcPct val="100000"/>
+              </a:lnSpc>
+              <a:spcBef>
+                <a:spcPct val="0"/>
+              </a:spcBef>
+              <a:spcAft>
+                <a:spcPct val="0"/>
+              </a:spcAft>
+              <a:buClrTx/>
+              <a:buSzTx/>
+              <a:buFontTx/>
+              <a:buChar char="•"/>
+              <a:tabLst/>
+            </a:pPr>
+            <a:r>
+              <a:rPr kumimoji="0" lang="hu-HU" altLang="hu-HU" sz="1400" b="0" i="0" u="none" strike="noStrike" cap="none" normalizeH="0" baseline="0" dirty="0">
+                <a:ln>
+                  <a:noFill/>
+                </a:ln>
+                <a:solidFill>
+                  <a:schemeClr val="tx1"/>
+                </a:solidFill>
+                <a:effectLst/>
+                <a:latin typeface="Arial" panose="020B0604020202020204" pitchFamily="34" charset="0"/>
+              </a:rPr>
+              <a:t>Visszaadja a legnagyobb kontúrt.</a:t>
+            </a:r>
+          </a:p>
+        </p:txBody>
+      </p:sp>
+      <p:pic>
+        <p:nvPicPr>
+          <p:cNvPr id="5" name="Kép 4">
+            <a:extLst>
+              <a:ext uri="{FF2B5EF4-FFF2-40B4-BE49-F238E27FC236}">
+                <a16:creationId xmlns:a16="http://schemas.microsoft.com/office/drawing/2014/main" id="{8BF9C089-80D3-4B41-9A5C-6E59C16ADDD1}"/>
+              </a:ext>
+            </a:extLst>
+          </p:cNvPr>
+          <p:cNvPicPr>
+            <a:picLocks noChangeAspect="1"/>
+          </p:cNvPicPr>
+          <p:nvPr/>
+        </p:nvPicPr>
+        <p:blipFill>
+          <a:blip r:embed="rId2"/>
+          <a:stretch>
+            <a:fillRect/>
+          </a:stretch>
+        </p:blipFill>
+        <p:spPr>
+          <a:xfrm>
+            <a:off x="1017865" y="2709644"/>
+            <a:ext cx="5483603" cy="3027866"/>
+          </a:xfrm>
+          <a:prstGeom prst="rect">
+            <a:avLst/>
+          </a:prstGeom>
+        </p:spPr>
+      </p:pic>
+    </p:spTree>
+    <p:extLst>
+      <p:ext uri="{BB962C8B-B14F-4D97-AF65-F5344CB8AC3E}">
+        <p14:creationId xmlns:p14="http://schemas.microsoft.com/office/powerpoint/2010/main" val="2748672945"/>
+      </p:ext>
+    </p:extLst>
+  </p:cSld>
+  <p:clrMapOvr>
+    <a:masterClrMapping/>
+  </p:clrMapOvr>
+</p:sld>
+</file>
+
+<file path=ppt/slides/slide15.xml><?xml version="1.0" encoding="utf-8"?>
+<p:sld xmlns:a="http://schemas.openxmlformats.org/drawingml/2006/main" xmlns:r="http://schemas.openxmlformats.org/officeDocument/2006/relationships" xmlns:p="http://schemas.openxmlformats.org/presentationml/2006/main">
+  <p:cSld>
+    <p:spTree>
+      <p:nvGrpSpPr>
+        <p:cNvPr id="1" name=""/>
+        <p:cNvGrpSpPr/>
+        <p:nvPr/>
+      </p:nvGrpSpPr>
+      <p:grpSpPr>
+        <a:xfrm>
+          <a:off x="0" y="0"/>
+          <a:ext cx="0" cy="0"/>
+          <a:chOff x="0" y="0"/>
+          <a:chExt cx="0" cy="0"/>
+        </a:xfrm>
+      </p:grpSpPr>
+      <p:pic>
+        <p:nvPicPr>
+          <p:cNvPr id="4" name="Kép 3">
+            <a:extLst>
+              <a:ext uri="{FF2B5EF4-FFF2-40B4-BE49-F238E27FC236}">
+                <a16:creationId xmlns:a16="http://schemas.microsoft.com/office/drawing/2014/main" id="{04156B41-459A-4998-8186-FE58537752F7}"/>
+              </a:ext>
+            </a:extLst>
+          </p:cNvPr>
+          <p:cNvPicPr>
+            <a:picLocks noChangeAspect="1"/>
+          </p:cNvPicPr>
+          <p:nvPr/>
+        </p:nvPicPr>
+        <p:blipFill>
+          <a:blip r:embed="rId2"/>
+          <a:stretch>
+            <a:fillRect/>
+          </a:stretch>
+        </p:blipFill>
+        <p:spPr>
+          <a:xfrm>
+            <a:off x="1295402" y="3019067"/>
+            <a:ext cx="3934374" cy="2210108"/>
+          </a:xfrm>
+          <a:prstGeom prst="rect">
+            <a:avLst/>
+          </a:prstGeom>
+        </p:spPr>
+      </p:pic>
+      <p:sp>
+        <p:nvSpPr>
+          <p:cNvPr id="5" name="Rectangle 1">
+            <a:extLst>
+              <a:ext uri="{FF2B5EF4-FFF2-40B4-BE49-F238E27FC236}">
+                <a16:creationId xmlns:a16="http://schemas.microsoft.com/office/drawing/2014/main" id="{FE761F04-1BD5-4C4D-92D3-1E18CD73C09D}"/>
+              </a:ext>
+            </a:extLst>
+          </p:cNvPr>
+          <p:cNvSpPr>
+            <a:spLocks noGrp="1" noChangeArrowheads="1"/>
+          </p:cNvSpPr>
+          <p:nvPr>
+            <p:ph idx="1"/>
+          </p:nvPr>
+        </p:nvSpPr>
+        <p:spPr bwMode="auto">
+          <a:xfrm>
+            <a:off x="5511829" y="3432100"/>
+            <a:ext cx="5367175" cy="1569660"/>
+          </a:xfrm>
+          <a:prstGeom prst="rect">
+            <a:avLst/>
+          </a:prstGeom>
+          <a:noFill/>
+          <a:ln>
+            <a:noFill/>
+          </a:ln>
+          <a:effectLst/>
+          <a:extLst>
+            <a:ext uri="{909E8E84-426E-40DD-AFC4-6F175D3DCCD1}">
+              <a14:hiddenFill xmlns:a14="http://schemas.microsoft.com/office/drawing/2010/main">
+                <a:solidFill>
+                  <a:schemeClr val="accent1"/>
+                </a:solidFill>
+              </a14:hiddenFill>
+            </a:ext>
+            <a:ext uri="{91240B29-F687-4F45-9708-019B960494DF}">
+              <a14:hiddenLine xmlns:a14="http://schemas.microsoft.com/office/drawing/2010/main" w="9525">
+                <a:solidFill>
+                  <a:schemeClr val="tx1"/>
+                </a:solidFill>
+                <a:miter lim="800000"/>
+                <a:headEnd/>
+                <a:tailEnd/>
+              </a14:hiddenLine>
+            </a:ext>
+            <a:ext uri="{AF507438-7753-43E0-B8FC-AC1667EBCBE1}">
+              <a14:hiddenEffects xmlns:a14="http://schemas.microsoft.com/office/drawing/2010/main">
+                <a:effectLst>
+                  <a:outerShdw dist="35921" dir="2700000" algn="ctr" rotWithShape="0">
+                    <a:schemeClr val="bg2"/>
+                  </a:outerShdw>
+                </a:effectLst>
+              </a14:hiddenEffects>
+            </a:ext>
+          </a:extLst>
+        </p:spPr>
+        <p:txBody>
+          <a:bodyPr vert="horz" wrap="none" lIns="91440" tIns="45720" rIns="91440" bIns="45720" numCol="1" anchor="ctr" anchorCtr="0" compatLnSpc="1">
+            <a:prstTxWarp prst="textNoShape">
+              <a:avLst/>
+            </a:prstTxWarp>
+            <a:spAutoFit/>
+          </a:bodyPr>
+          <a:lstStyle/>
+          <a:p>
+            <a:pPr marL="0" marR="0" lvl="0" indent="0" algn="l" defTabSz="914400" rtl="0" eaLnBrk="0" fontAlgn="base" latinLnBrk="0" hangingPunct="0">
+              <a:lnSpc>
+                <a:spcPct val="100000"/>
+              </a:lnSpc>
+              <a:spcBef>
+                <a:spcPct val="0"/>
+              </a:spcBef>
+              <a:spcAft>
+                <a:spcPct val="0"/>
+              </a:spcAft>
+              <a:buClrTx/>
+              <a:buSzTx/>
+              <a:buFontTx/>
+              <a:buChar char="•"/>
+              <a:tabLst/>
+            </a:pPr>
+            <a:r>
+              <a:rPr kumimoji="0" lang="hu-HU" altLang="hu-HU" sz="1600" b="0" i="0" u="none" strike="noStrike" cap="none" normalizeH="0" baseline="0" dirty="0">
+                <a:ln>
+                  <a:noFill/>
+                </a:ln>
+                <a:solidFill>
+                  <a:schemeClr val="tx1"/>
+                </a:solidFill>
+                <a:effectLst/>
+                <a:latin typeface="Arial" panose="020B0604020202020204" pitchFamily="34" charset="0"/>
+              </a:rPr>
+              <a:t>Átalakítja a pontokat 4x2-es formára.</a:t>
+            </a:r>
+          </a:p>
+          <a:p>
+            <a:pPr marL="0" marR="0" lvl="0" indent="0" algn="l" defTabSz="914400" rtl="0" eaLnBrk="0" fontAlgn="base" latinLnBrk="0" hangingPunct="0">
+              <a:lnSpc>
+                <a:spcPct val="100000"/>
+              </a:lnSpc>
+              <a:spcBef>
+                <a:spcPct val="0"/>
+              </a:spcBef>
+              <a:spcAft>
+                <a:spcPct val="0"/>
+              </a:spcAft>
+              <a:buClrTx/>
+              <a:buSzTx/>
+              <a:buFontTx/>
+              <a:buChar char="•"/>
+              <a:tabLst/>
+            </a:pPr>
+            <a:r>
+              <a:rPr kumimoji="0" lang="hu-HU" altLang="hu-HU" sz="1600" b="0" i="0" u="none" strike="noStrike" cap="none" normalizeH="0" baseline="0" dirty="0">
+                <a:ln>
+                  <a:noFill/>
+                </a:ln>
+                <a:solidFill>
+                  <a:schemeClr val="tx1"/>
+                </a:solidFill>
+                <a:effectLst/>
+                <a:latin typeface="Arial" panose="020B0604020202020204" pitchFamily="34" charset="0"/>
+              </a:rPr>
+              <a:t>Kiszámítja a pontok összegét és rendezi őket.</a:t>
+            </a:r>
+          </a:p>
+          <a:p>
+            <a:pPr marL="0" marR="0" lvl="0" indent="0" algn="l" defTabSz="914400" rtl="0" eaLnBrk="0" fontAlgn="base" latinLnBrk="0" hangingPunct="0">
+              <a:lnSpc>
+                <a:spcPct val="100000"/>
+              </a:lnSpc>
+              <a:spcBef>
+                <a:spcPct val="0"/>
+              </a:spcBef>
+              <a:spcAft>
+                <a:spcPct val="0"/>
+              </a:spcAft>
+              <a:buClrTx/>
+              <a:buSzTx/>
+              <a:buFontTx/>
+              <a:buChar char="•"/>
+              <a:tabLst/>
+            </a:pPr>
+            <a:r>
+              <a:rPr kumimoji="0" lang="hu-HU" altLang="hu-HU" sz="1600" b="0" i="0" u="none" strike="noStrike" cap="none" normalizeH="0" baseline="0" dirty="0">
+                <a:ln>
+                  <a:noFill/>
+                </a:ln>
+                <a:solidFill>
+                  <a:schemeClr val="tx1"/>
+                </a:solidFill>
+                <a:effectLst/>
+                <a:latin typeface="Arial" panose="020B0604020202020204" pitchFamily="34" charset="0"/>
+              </a:rPr>
+              <a:t>Meghatározza a bal felső és jobb alsó pontot.</a:t>
+            </a:r>
+          </a:p>
+          <a:p>
+            <a:pPr marL="0" marR="0" lvl="0" indent="0" algn="l" defTabSz="914400" rtl="0" eaLnBrk="0" fontAlgn="base" latinLnBrk="0" hangingPunct="0">
+              <a:lnSpc>
+                <a:spcPct val="100000"/>
+              </a:lnSpc>
+              <a:spcBef>
+                <a:spcPct val="0"/>
+              </a:spcBef>
+              <a:spcAft>
+                <a:spcPct val="0"/>
+              </a:spcAft>
+              <a:buClrTx/>
+              <a:buSzTx/>
+              <a:buFontTx/>
+              <a:buChar char="•"/>
+              <a:tabLst/>
+            </a:pPr>
+            <a:r>
+              <a:rPr kumimoji="0" lang="hu-HU" altLang="hu-HU" sz="1600" b="0" i="0" u="none" strike="noStrike" cap="none" normalizeH="0" baseline="0" dirty="0">
+                <a:ln>
+                  <a:noFill/>
+                </a:ln>
+                <a:solidFill>
+                  <a:schemeClr val="tx1"/>
+                </a:solidFill>
+                <a:effectLst/>
+                <a:latin typeface="Arial" panose="020B0604020202020204" pitchFamily="34" charset="0"/>
+              </a:rPr>
+              <a:t>Kiszámítja a pontok közötti különbséget és rendezi őket.</a:t>
+            </a:r>
+          </a:p>
+          <a:p>
+            <a:pPr marL="0" marR="0" lvl="0" indent="0" algn="l" defTabSz="914400" rtl="0" eaLnBrk="0" fontAlgn="base" latinLnBrk="0" hangingPunct="0">
+              <a:lnSpc>
+                <a:spcPct val="100000"/>
+              </a:lnSpc>
+              <a:spcBef>
+                <a:spcPct val="0"/>
+              </a:spcBef>
+              <a:spcAft>
+                <a:spcPct val="0"/>
+              </a:spcAft>
+              <a:buClrTx/>
+              <a:buSzTx/>
+              <a:buFontTx/>
+              <a:buChar char="•"/>
+              <a:tabLst/>
+            </a:pPr>
+            <a:r>
+              <a:rPr kumimoji="0" lang="hu-HU" altLang="hu-HU" sz="1600" b="0" i="0" u="none" strike="noStrike" cap="none" normalizeH="0" baseline="0" dirty="0">
+                <a:ln>
+                  <a:noFill/>
+                </a:ln>
+                <a:solidFill>
+                  <a:schemeClr val="tx1"/>
+                </a:solidFill>
+                <a:effectLst/>
+                <a:latin typeface="Arial" panose="020B0604020202020204" pitchFamily="34" charset="0"/>
+              </a:rPr>
+              <a:t>Meghatározza a jobb felső és bal alsó pontot.</a:t>
+            </a:r>
+          </a:p>
+          <a:p>
+            <a:pPr marL="0" marR="0" lvl="0" indent="0" algn="l" defTabSz="914400" rtl="0" eaLnBrk="0" fontAlgn="base" latinLnBrk="0" hangingPunct="0">
+              <a:lnSpc>
+                <a:spcPct val="100000"/>
+              </a:lnSpc>
+              <a:spcBef>
+                <a:spcPct val="0"/>
+              </a:spcBef>
+              <a:spcAft>
+                <a:spcPct val="0"/>
+              </a:spcAft>
+              <a:buClrTx/>
+              <a:buSzTx/>
+              <a:buFontTx/>
+              <a:buChar char="•"/>
+              <a:tabLst/>
+            </a:pPr>
+            <a:r>
+              <a:rPr kumimoji="0" lang="hu-HU" altLang="hu-HU" sz="1600" b="0" i="0" u="none" strike="noStrike" cap="none" normalizeH="0" baseline="0" dirty="0">
+                <a:ln>
+                  <a:noFill/>
+                </a:ln>
+                <a:solidFill>
+                  <a:schemeClr val="tx1"/>
+                </a:solidFill>
+                <a:effectLst/>
+                <a:latin typeface="Arial" panose="020B0604020202020204" pitchFamily="34" charset="0"/>
+              </a:rPr>
+              <a:t>Visszaadja az új sorrendű pontokat.</a:t>
+            </a:r>
+          </a:p>
+        </p:txBody>
+      </p:sp>
+    </p:spTree>
+    <p:extLst>
+      <p:ext uri="{BB962C8B-B14F-4D97-AF65-F5344CB8AC3E}">
+        <p14:creationId xmlns:p14="http://schemas.microsoft.com/office/powerpoint/2010/main" val="3075763871"/>
+      </p:ext>
+    </p:extLst>
+  </p:cSld>
+  <p:clrMapOvr>
+    <a:masterClrMapping/>
+  </p:clrMapOvr>
+</p:sld>
+</file>
+
+<file path=ppt/slides/slide16.xml><?xml version="1.0" encoding="utf-8"?>
+<p:sld xmlns:a="http://schemas.openxmlformats.org/drawingml/2006/main" xmlns:r="http://schemas.openxmlformats.org/officeDocument/2006/relationships" xmlns:p="http://schemas.openxmlformats.org/presentationml/2006/main">
+  <p:cSld>
+    <p:spTree>
+      <p:nvGrpSpPr>
+        <p:cNvPr id="1" name=""/>
+        <p:cNvGrpSpPr/>
+        <p:nvPr/>
+      </p:nvGrpSpPr>
+      <p:grpSpPr>
+        <a:xfrm>
+          <a:off x="0" y="0"/>
+          <a:ext cx="0" cy="0"/>
+          <a:chOff x="0" y="0"/>
+          <a:chExt cx="0" cy="0"/>
+        </a:xfrm>
+      </p:grpSpPr>
+      <p:pic>
+        <p:nvPicPr>
+          <p:cNvPr id="4" name="Kép 3">
+            <a:extLst>
+              <a:ext uri="{FF2B5EF4-FFF2-40B4-BE49-F238E27FC236}">
+                <a16:creationId xmlns:a16="http://schemas.microsoft.com/office/drawing/2014/main" id="{47B6F350-F729-4E05-BCFC-4AFB06E31434}"/>
+              </a:ext>
+            </a:extLst>
+          </p:cNvPr>
+          <p:cNvPicPr>
+            <a:picLocks noChangeAspect="1"/>
+          </p:cNvPicPr>
+          <p:nvPr/>
+        </p:nvPicPr>
+        <p:blipFill>
+          <a:blip r:embed="rId2"/>
+          <a:stretch>
+            <a:fillRect/>
+          </a:stretch>
+        </p:blipFill>
+        <p:spPr>
+          <a:xfrm>
+            <a:off x="1190554" y="2921556"/>
+            <a:ext cx="5445138" cy="2457793"/>
+          </a:xfrm>
+          <a:prstGeom prst="rect">
+            <a:avLst/>
+          </a:prstGeom>
+        </p:spPr>
+      </p:pic>
+      <p:sp>
+        <p:nvSpPr>
+          <p:cNvPr id="5" name="Rectangle 1">
+            <a:extLst>
+              <a:ext uri="{FF2B5EF4-FFF2-40B4-BE49-F238E27FC236}">
+                <a16:creationId xmlns:a16="http://schemas.microsoft.com/office/drawing/2014/main" id="{7AF4D743-E3FC-4FFF-BE2B-FE2C166FD519}"/>
+              </a:ext>
+            </a:extLst>
+          </p:cNvPr>
+          <p:cNvSpPr>
+            <a:spLocks noGrp="1" noChangeArrowheads="1"/>
+          </p:cNvSpPr>
+          <p:nvPr>
+            <p:ph idx="1"/>
+          </p:nvPr>
+        </p:nvSpPr>
+        <p:spPr bwMode="auto">
+          <a:xfrm>
+            <a:off x="6827867" y="3185879"/>
+            <a:ext cx="4321101" cy="2062103"/>
+          </a:xfrm>
+          <a:prstGeom prst="rect">
+            <a:avLst/>
+          </a:prstGeom>
+          <a:noFill/>
+          <a:ln>
+            <a:noFill/>
+          </a:ln>
+          <a:effectLst/>
+          <a:extLst>
+            <a:ext uri="{909E8E84-426E-40DD-AFC4-6F175D3DCCD1}">
+              <a14:hiddenFill xmlns:a14="http://schemas.microsoft.com/office/drawing/2010/main">
+                <a:solidFill>
+                  <a:schemeClr val="accent1"/>
+                </a:solidFill>
+              </a14:hiddenFill>
+            </a:ext>
+            <a:ext uri="{91240B29-F687-4F45-9708-019B960494DF}">
+              <a14:hiddenLine xmlns:a14="http://schemas.microsoft.com/office/drawing/2010/main" w="9525">
+                <a:solidFill>
+                  <a:schemeClr val="tx1"/>
+                </a:solidFill>
+                <a:miter lim="800000"/>
+                <a:headEnd/>
+                <a:tailEnd/>
+              </a14:hiddenLine>
+            </a:ext>
+            <a:ext uri="{AF507438-7753-43E0-B8FC-AC1667EBCBE1}">
+              <a14:hiddenEffects xmlns:a14="http://schemas.microsoft.com/office/drawing/2010/main">
+                <a:effectLst>
+                  <a:outerShdw dist="35921" dir="2700000" algn="ctr" rotWithShape="0">
+                    <a:schemeClr val="bg2"/>
+                  </a:outerShdw>
+                </a:effectLst>
+              </a14:hiddenEffects>
+            </a:ext>
+          </a:extLst>
+        </p:spPr>
+        <p:txBody>
+          <a:bodyPr vert="horz" wrap="square" lIns="91440" tIns="45720" rIns="91440" bIns="45720" numCol="1" anchor="ctr" anchorCtr="0" compatLnSpc="1">
+            <a:prstTxWarp prst="textNoShape">
+              <a:avLst/>
+            </a:prstTxWarp>
+            <a:spAutoFit/>
+          </a:bodyPr>
+          <a:lstStyle/>
+          <a:p>
+            <a:pPr marL="0" marR="0" lvl="0" indent="0" algn="l" defTabSz="914400" rtl="0" eaLnBrk="0" fontAlgn="base" latinLnBrk="0" hangingPunct="0">
+              <a:lnSpc>
+                <a:spcPct val="100000"/>
+              </a:lnSpc>
+              <a:spcBef>
+                <a:spcPct val="0"/>
+              </a:spcBef>
+              <a:spcAft>
+                <a:spcPct val="0"/>
+              </a:spcAft>
+              <a:buClrTx/>
+              <a:buSzTx/>
+              <a:buFontTx/>
+              <a:buChar char="•"/>
+              <a:tabLst/>
+            </a:pPr>
+            <a:r>
+              <a:rPr kumimoji="0" lang="hu-HU" altLang="hu-HU" sz="1600" b="0" i="0" u="none" strike="noStrike" cap="none" normalizeH="0" baseline="0" dirty="0">
+                <a:ln>
+                  <a:noFill/>
+                </a:ln>
+                <a:solidFill>
+                  <a:schemeClr val="tx1"/>
+                </a:solidFill>
+                <a:effectLst/>
+                <a:latin typeface="Arial" panose="020B0604020202020204" pitchFamily="34" charset="0"/>
+              </a:rPr>
+              <a:t>Rendezi a kontúr pontjait.</a:t>
+            </a:r>
+          </a:p>
+          <a:p>
+            <a:pPr marL="0" marR="0" lvl="0" indent="0" algn="l" defTabSz="914400" rtl="0" eaLnBrk="0" fontAlgn="base" latinLnBrk="0" hangingPunct="0">
+              <a:lnSpc>
+                <a:spcPct val="100000"/>
+              </a:lnSpc>
+              <a:spcBef>
+                <a:spcPct val="0"/>
+              </a:spcBef>
+              <a:spcAft>
+                <a:spcPct val="0"/>
+              </a:spcAft>
+              <a:buClrTx/>
+              <a:buSzTx/>
+              <a:buFontTx/>
+              <a:buChar char="•"/>
+              <a:tabLst/>
+            </a:pPr>
+            <a:r>
+              <a:rPr kumimoji="0" lang="hu-HU" altLang="hu-HU" sz="1600" b="0" i="0" u="none" strike="noStrike" cap="none" normalizeH="0" baseline="0" dirty="0">
+                <a:ln>
+                  <a:noFill/>
+                </a:ln>
+                <a:solidFill>
+                  <a:schemeClr val="tx1"/>
+                </a:solidFill>
+                <a:effectLst/>
+                <a:latin typeface="Arial" panose="020B0604020202020204" pitchFamily="34" charset="0"/>
+              </a:rPr>
+              <a:t>Definiálja a forráspontokat (</a:t>
+            </a:r>
+            <a:r>
+              <a:rPr kumimoji="0" lang="hu-HU" altLang="hu-HU" sz="1600" b="0" i="0" u="none" strike="noStrike" cap="none" normalizeH="0" baseline="0" dirty="0">
+                <a:ln>
+                  <a:noFill/>
+                </a:ln>
+                <a:solidFill>
+                  <a:schemeClr val="tx1"/>
+                </a:solidFill>
+                <a:effectLst/>
+                <a:latin typeface="Arial Unicode MS"/>
+              </a:rPr>
+              <a:t>pts1</a:t>
+            </a:r>
+            <a:r>
+              <a:rPr kumimoji="0" lang="hu-HU" altLang="hu-HU" sz="1600" b="0" i="0" u="none" strike="noStrike" cap="none" normalizeH="0" baseline="0" dirty="0">
+                <a:ln>
+                  <a:noFill/>
+                </a:ln>
+                <a:solidFill>
+                  <a:schemeClr val="tx1"/>
+                </a:solidFill>
+                <a:effectLst/>
+              </a:rPr>
+              <a:t>) </a:t>
+            </a:r>
+            <a:r>
+              <a:rPr kumimoji="0" lang="hu-HU" altLang="hu-HU" sz="1600" b="0" i="0" u="none" strike="noStrike" cap="none" normalizeH="0" baseline="0" dirty="0">
+                <a:ln>
+                  <a:noFill/>
+                </a:ln>
+                <a:solidFill>
+                  <a:schemeClr val="tx1"/>
+                </a:solidFill>
+                <a:effectLst/>
+                <a:latin typeface="Arial" panose="020B0604020202020204" pitchFamily="34" charset="0"/>
+                <a:cs typeface="Arial" panose="020B0604020202020204" pitchFamily="34" charset="0"/>
+              </a:rPr>
+              <a:t>és a célpontokat</a:t>
+            </a:r>
+            <a:r>
+              <a:rPr kumimoji="0" lang="hu-HU" altLang="hu-HU" sz="1600" b="0" i="0" u="none" strike="noStrike" cap="none" normalizeH="0" baseline="0" dirty="0">
+                <a:ln>
+                  <a:noFill/>
+                </a:ln>
+                <a:solidFill>
+                  <a:schemeClr val="tx1"/>
+                </a:solidFill>
+                <a:effectLst/>
+              </a:rPr>
+              <a:t> (</a:t>
+            </a:r>
+            <a:r>
+              <a:rPr kumimoji="0" lang="hu-HU" altLang="hu-HU" sz="1600" b="0" i="0" u="none" strike="noStrike" cap="none" normalizeH="0" baseline="0" dirty="0">
+                <a:ln>
+                  <a:noFill/>
+                </a:ln>
+                <a:solidFill>
+                  <a:schemeClr val="tx1"/>
+                </a:solidFill>
+                <a:effectLst/>
+                <a:latin typeface="Arial Unicode MS"/>
+              </a:rPr>
+              <a:t>pts2</a:t>
+            </a:r>
+            <a:r>
+              <a:rPr kumimoji="0" lang="hu-HU" altLang="hu-HU" sz="1600" b="0" i="0" u="none" strike="noStrike" cap="none" normalizeH="0" baseline="0" dirty="0">
+                <a:ln>
+                  <a:noFill/>
+                </a:ln>
+                <a:solidFill>
+                  <a:schemeClr val="tx1"/>
+                </a:solidFill>
+                <a:effectLst/>
+              </a:rPr>
+              <a:t>).</a:t>
+            </a:r>
+            <a:endParaRPr kumimoji="0" lang="hu-HU" altLang="hu-HU" sz="1600" b="0" i="0" u="none" strike="noStrike" cap="none" normalizeH="0" baseline="0" dirty="0">
+              <a:ln>
+                <a:noFill/>
+              </a:ln>
+              <a:solidFill>
+                <a:schemeClr val="tx1"/>
+              </a:solidFill>
+              <a:effectLst/>
+              <a:latin typeface="Arial" panose="020B0604020202020204" pitchFamily="34" charset="0"/>
+            </a:endParaRPr>
+          </a:p>
+          <a:p>
+            <a:pPr marL="0" marR="0" lvl="0" indent="0" algn="l" defTabSz="914400" rtl="0" eaLnBrk="0" fontAlgn="base" latinLnBrk="0" hangingPunct="0">
+              <a:lnSpc>
+                <a:spcPct val="100000"/>
+              </a:lnSpc>
+              <a:spcBef>
+                <a:spcPct val="0"/>
+              </a:spcBef>
+              <a:spcAft>
+                <a:spcPct val="0"/>
+              </a:spcAft>
+              <a:buClrTx/>
+              <a:buSzTx/>
+              <a:buFontTx/>
+              <a:buChar char="•"/>
+              <a:tabLst/>
+            </a:pPr>
+            <a:r>
+              <a:rPr kumimoji="0" lang="hu-HU" altLang="hu-HU" sz="1600" b="0" i="0" u="none" strike="noStrike" cap="none" normalizeH="0" baseline="0" dirty="0">
+                <a:ln>
+                  <a:noFill/>
+                </a:ln>
+                <a:solidFill>
+                  <a:schemeClr val="tx1"/>
+                </a:solidFill>
+                <a:effectLst/>
+                <a:latin typeface="Arial" panose="020B0604020202020204" pitchFamily="34" charset="0"/>
+              </a:rPr>
+              <a:t>Kiszámítja a </a:t>
+            </a:r>
+            <a:r>
+              <a:rPr kumimoji="0" lang="hu-HU" altLang="hu-HU" sz="1600" b="0" i="0" u="none" strike="noStrike" cap="none" normalizeH="0" baseline="0" dirty="0" err="1">
+                <a:ln>
+                  <a:noFill/>
+                </a:ln>
+                <a:solidFill>
+                  <a:schemeClr val="tx1"/>
+                </a:solidFill>
+                <a:effectLst/>
+                <a:latin typeface="Arial" panose="020B0604020202020204" pitchFamily="34" charset="0"/>
+              </a:rPr>
+              <a:t>perspektív</a:t>
+            </a:r>
+            <a:r>
+              <a:rPr kumimoji="0" lang="hu-HU" altLang="hu-HU" sz="1600" b="0" i="0" u="none" strike="noStrike" cap="none" normalizeH="0" baseline="0" dirty="0">
+                <a:ln>
+                  <a:noFill/>
+                </a:ln>
+                <a:solidFill>
+                  <a:schemeClr val="tx1"/>
+                </a:solidFill>
+                <a:effectLst/>
+                <a:latin typeface="Arial" panose="020B0604020202020204" pitchFamily="34" charset="0"/>
+              </a:rPr>
+              <a:t> transzformációs mátrixot.</a:t>
+            </a:r>
+          </a:p>
+          <a:p>
+            <a:pPr marL="0" marR="0" lvl="0" indent="0" algn="l" defTabSz="914400" rtl="0" eaLnBrk="0" fontAlgn="base" latinLnBrk="0" hangingPunct="0">
+              <a:lnSpc>
+                <a:spcPct val="100000"/>
+              </a:lnSpc>
+              <a:spcBef>
+                <a:spcPct val="0"/>
+              </a:spcBef>
+              <a:spcAft>
+                <a:spcPct val="0"/>
+              </a:spcAft>
+              <a:buClrTx/>
+              <a:buSzTx/>
+              <a:buFontTx/>
+              <a:buChar char="•"/>
+              <a:tabLst/>
+            </a:pPr>
+            <a:r>
+              <a:rPr kumimoji="0" lang="hu-HU" altLang="hu-HU" sz="1600" b="0" i="0" u="none" strike="noStrike" cap="none" normalizeH="0" baseline="0" dirty="0">
+                <a:ln>
+                  <a:noFill/>
+                </a:ln>
+                <a:solidFill>
+                  <a:schemeClr val="tx1"/>
+                </a:solidFill>
+                <a:effectLst/>
+                <a:latin typeface="Arial" panose="020B0604020202020204" pitchFamily="34" charset="0"/>
+              </a:rPr>
+              <a:t>Alkalmazza a transzformációt a képre.</a:t>
+            </a:r>
+          </a:p>
+          <a:p>
+            <a:pPr marL="0" marR="0" lvl="0" indent="0" algn="l" defTabSz="914400" rtl="0" eaLnBrk="0" fontAlgn="base" latinLnBrk="0" hangingPunct="0">
+              <a:lnSpc>
+                <a:spcPct val="100000"/>
+              </a:lnSpc>
+              <a:spcBef>
+                <a:spcPct val="0"/>
+              </a:spcBef>
+              <a:spcAft>
+                <a:spcPct val="0"/>
+              </a:spcAft>
+              <a:buClrTx/>
+              <a:buSzTx/>
+              <a:buFontTx/>
+              <a:buChar char="•"/>
+              <a:tabLst/>
+            </a:pPr>
+            <a:r>
+              <a:rPr kumimoji="0" lang="hu-HU" altLang="hu-HU" sz="1600" b="0" i="0" u="none" strike="noStrike" cap="none" normalizeH="0" baseline="0" dirty="0">
+                <a:ln>
+                  <a:noFill/>
+                </a:ln>
+                <a:solidFill>
+                  <a:schemeClr val="tx1"/>
+                </a:solidFill>
+                <a:effectLst/>
+                <a:latin typeface="Arial" panose="020B0604020202020204" pitchFamily="34" charset="0"/>
+              </a:rPr>
+              <a:t>Kivágja és átméretezi a képet.</a:t>
+            </a:r>
+          </a:p>
+          <a:p>
+            <a:pPr marL="0" marR="0" lvl="0" indent="0" algn="l" defTabSz="914400" rtl="0" eaLnBrk="0" fontAlgn="base" latinLnBrk="0" hangingPunct="0">
+              <a:lnSpc>
+                <a:spcPct val="100000"/>
+              </a:lnSpc>
+              <a:spcBef>
+                <a:spcPct val="0"/>
+              </a:spcBef>
+              <a:spcAft>
+                <a:spcPct val="0"/>
+              </a:spcAft>
+              <a:buClrTx/>
+              <a:buSzTx/>
+              <a:buFontTx/>
+              <a:buChar char="•"/>
+              <a:tabLst/>
+            </a:pPr>
+            <a:r>
+              <a:rPr kumimoji="0" lang="hu-HU" altLang="hu-HU" sz="1600" b="0" i="0" u="none" strike="noStrike" cap="none" normalizeH="0" baseline="0" dirty="0">
+                <a:ln>
+                  <a:noFill/>
+                </a:ln>
+                <a:solidFill>
+                  <a:schemeClr val="tx1"/>
+                </a:solidFill>
+                <a:effectLst/>
+                <a:latin typeface="Arial" panose="020B0604020202020204" pitchFamily="34" charset="0"/>
+              </a:rPr>
+              <a:t>Visszaadja a transzformált és kivágott képet.</a:t>
+            </a:r>
+          </a:p>
+        </p:txBody>
+      </p:sp>
+    </p:spTree>
+    <p:extLst>
+      <p:ext uri="{BB962C8B-B14F-4D97-AF65-F5344CB8AC3E}">
+        <p14:creationId xmlns:p14="http://schemas.microsoft.com/office/powerpoint/2010/main" val="4219643863"/>
+      </p:ext>
+    </p:extLst>
+  </p:cSld>
+  <p:clrMapOvr>
+    <a:masterClrMapping/>
+  </p:clrMapOvr>
+</p:sld>
+</file>
+
+<file path=ppt/slides/slide17.xml><?xml version="1.0" encoding="utf-8"?>
+<p:sld xmlns:a="http://schemas.openxmlformats.org/drawingml/2006/main" xmlns:r="http://schemas.openxmlformats.org/officeDocument/2006/relationships" xmlns:p="http://schemas.openxmlformats.org/presentationml/2006/main">
+  <p:cSld>
+    <p:spTree>
+      <p:nvGrpSpPr>
+        <p:cNvPr id="1" name=""/>
+        <p:cNvGrpSpPr/>
+        <p:nvPr/>
+      </p:nvGrpSpPr>
+      <p:grpSpPr>
+        <a:xfrm>
+          <a:off x="0" y="0"/>
+          <a:ext cx="0" cy="0"/>
+          <a:chOff x="0" y="0"/>
+          <a:chExt cx="0" cy="0"/>
+        </a:xfrm>
+      </p:grpSpPr>
+      <p:pic>
+        <p:nvPicPr>
+          <p:cNvPr id="4" name="Kép 3">
+            <a:extLst>
+              <a:ext uri="{FF2B5EF4-FFF2-40B4-BE49-F238E27FC236}">
+                <a16:creationId xmlns:a16="http://schemas.microsoft.com/office/drawing/2014/main" id="{DC4EC7EA-0871-42E3-A075-F647DCA77B40}"/>
+              </a:ext>
+            </a:extLst>
+          </p:cNvPr>
+          <p:cNvPicPr>
+            <a:picLocks noChangeAspect="1"/>
+          </p:cNvPicPr>
+          <p:nvPr/>
+        </p:nvPicPr>
+        <p:blipFill>
+          <a:blip r:embed="rId2"/>
+          <a:stretch>
+            <a:fillRect/>
+          </a:stretch>
+        </p:blipFill>
+        <p:spPr>
+          <a:xfrm>
+            <a:off x="1295401" y="2903410"/>
+            <a:ext cx="4837986" cy="2922126"/>
+          </a:xfrm>
+          <a:prstGeom prst="rect">
+            <a:avLst/>
+          </a:prstGeom>
+        </p:spPr>
+      </p:pic>
+      <p:sp>
+        <p:nvSpPr>
+          <p:cNvPr id="5" name="Rectangle 1">
+            <a:extLst>
+              <a:ext uri="{FF2B5EF4-FFF2-40B4-BE49-F238E27FC236}">
+                <a16:creationId xmlns:a16="http://schemas.microsoft.com/office/drawing/2014/main" id="{98FD783D-9208-4D0D-99E6-865342E83925}"/>
+              </a:ext>
+            </a:extLst>
+          </p:cNvPr>
+          <p:cNvSpPr>
+            <a:spLocks noGrp="1" noChangeArrowheads="1"/>
+          </p:cNvSpPr>
+          <p:nvPr>
+            <p:ph idx="1"/>
+          </p:nvPr>
+        </p:nvSpPr>
+        <p:spPr bwMode="auto">
+          <a:xfrm>
+            <a:off x="6535903" y="3782912"/>
+            <a:ext cx="4095066" cy="1354217"/>
+          </a:xfrm>
+          <a:prstGeom prst="rect">
+            <a:avLst/>
+          </a:prstGeom>
+          <a:noFill/>
+          <a:ln>
+            <a:noFill/>
+          </a:ln>
+          <a:effectLst/>
+          <a:extLst>
+            <a:ext uri="{909E8E84-426E-40DD-AFC4-6F175D3DCCD1}">
+              <a14:hiddenFill xmlns:a14="http://schemas.microsoft.com/office/drawing/2010/main">
+                <a:solidFill>
+                  <a:schemeClr val="accent1"/>
+                </a:solidFill>
+              </a14:hiddenFill>
+            </a:ext>
+            <a:ext uri="{91240B29-F687-4F45-9708-019B960494DF}">
+              <a14:hiddenLine xmlns:a14="http://schemas.microsoft.com/office/drawing/2010/main" w="9525">
+                <a:solidFill>
+                  <a:schemeClr val="tx1"/>
+                </a:solidFill>
+                <a:miter lim="800000"/>
+                <a:headEnd/>
+                <a:tailEnd/>
+              </a14:hiddenLine>
+            </a:ext>
+            <a:ext uri="{AF507438-7753-43E0-B8FC-AC1667EBCBE1}">
+              <a14:hiddenEffects xmlns:a14="http://schemas.microsoft.com/office/drawing/2010/main">
+                <a:effectLst>
+                  <a:outerShdw dist="35921" dir="2700000" algn="ctr" rotWithShape="0">
+                    <a:schemeClr val="bg2"/>
+                  </a:outerShdw>
+                </a:effectLst>
+              </a14:hiddenEffects>
+            </a:ext>
+          </a:extLst>
+        </p:spPr>
+        <p:txBody>
+          <a:bodyPr vert="horz" wrap="square" lIns="91440" tIns="45720" rIns="91440" bIns="45720" numCol="1" anchor="ctr" anchorCtr="0" compatLnSpc="1">
+            <a:prstTxWarp prst="textNoShape">
+              <a:avLst/>
+            </a:prstTxWarp>
+            <a:spAutoFit/>
+          </a:bodyPr>
+          <a:lstStyle/>
+          <a:p>
+            <a:pPr marL="0" marR="0" lvl="0" indent="0" algn="l" defTabSz="914400" rtl="0" eaLnBrk="0" fontAlgn="base" latinLnBrk="0" hangingPunct="0">
+              <a:lnSpc>
+                <a:spcPct val="100000"/>
+              </a:lnSpc>
+              <a:spcBef>
+                <a:spcPct val="0"/>
+              </a:spcBef>
+              <a:spcAft>
+                <a:spcPct val="0"/>
+              </a:spcAft>
+              <a:buClrTx/>
+              <a:buSzTx/>
+              <a:buFontTx/>
+              <a:buNone/>
+              <a:tabLst/>
+            </a:pPr>
+            <a:r>
+              <a:rPr kumimoji="0" lang="hu-HU" altLang="hu-HU" sz="1600" b="0" i="0" u="none" strike="noStrike" cap="none" normalizeH="0" baseline="0" dirty="0">
+                <a:ln>
+                  <a:noFill/>
+                </a:ln>
+                <a:solidFill>
+                  <a:schemeClr val="tx1"/>
+                </a:solidFill>
+                <a:effectLst/>
+                <a:latin typeface="Arial" panose="020B0604020202020204" pitchFamily="34" charset="0"/>
+                <a:cs typeface="Arial" panose="020B0604020202020204" pitchFamily="34" charset="0"/>
+              </a:rPr>
+              <a:t>A függvény képes több képet egyesíteni, átméretezni és összeilleszteni őket egy nagy képpé, figyelembe véve a méreteiket és színcsatornáikat.</a:t>
+            </a:r>
+          </a:p>
+          <a:p>
+            <a:pPr marL="0" marR="0" lvl="0" indent="0" algn="l" defTabSz="914400" rtl="0" eaLnBrk="0" fontAlgn="base" latinLnBrk="0" hangingPunct="0">
+              <a:lnSpc>
+                <a:spcPct val="100000"/>
+              </a:lnSpc>
+              <a:spcBef>
+                <a:spcPct val="0"/>
+              </a:spcBef>
+              <a:spcAft>
+                <a:spcPct val="0"/>
+              </a:spcAft>
+              <a:buClrTx/>
+              <a:buSzTx/>
+              <a:buFontTx/>
+              <a:buNone/>
+              <a:tabLst/>
+            </a:pPr>
+            <a:endParaRPr kumimoji="0" lang="hu-HU" altLang="hu-HU" sz="1800" b="0" i="0" u="none" strike="noStrike" cap="none" normalizeH="0" baseline="0" dirty="0">
+              <a:ln>
+                <a:noFill/>
+              </a:ln>
+              <a:solidFill>
+                <a:schemeClr val="tx1"/>
+              </a:solidFill>
+              <a:effectLst/>
+              <a:latin typeface="Arial" panose="020B0604020202020204" pitchFamily="34" charset="0"/>
+            </a:endParaRPr>
+          </a:p>
+        </p:txBody>
+      </p:sp>
+    </p:spTree>
+    <p:extLst>
+      <p:ext uri="{BB962C8B-B14F-4D97-AF65-F5344CB8AC3E}">
+        <p14:creationId xmlns:p14="http://schemas.microsoft.com/office/powerpoint/2010/main" val="1424057018"/>
+      </p:ext>
+    </p:extLst>
+  </p:cSld>
+  <p:clrMapOvr>
+    <a:masterClrMapping/>
+  </p:clrMapOvr>
+</p:sld>
+</file>
+
+<file path=ppt/slides/slide18.xml><?xml version="1.0" encoding="utf-8"?>
+<p:sld xmlns:a="http://schemas.openxmlformats.org/drawingml/2006/main" xmlns:r="http://schemas.openxmlformats.org/officeDocument/2006/relationships" xmlns:p="http://schemas.openxmlformats.org/presentationml/2006/main">
+  <p:cSld>
+    <p:spTree>
+      <p:nvGrpSpPr>
+        <p:cNvPr id="1" name=""/>
+        <p:cNvGrpSpPr/>
+        <p:nvPr/>
+      </p:nvGrpSpPr>
+      <p:grpSpPr>
+        <a:xfrm>
+          <a:off x="0" y="0"/>
+          <a:ext cx="0" cy="0"/>
+          <a:chOff x="0" y="0"/>
+          <a:chExt cx="0" cy="0"/>
+        </a:xfrm>
+      </p:grpSpPr>
+      <p:sp>
+        <p:nvSpPr>
+          <p:cNvPr id="4" name="Rectangle 1">
+            <a:extLst>
+              <a:ext uri="{FF2B5EF4-FFF2-40B4-BE49-F238E27FC236}">
+                <a16:creationId xmlns:a16="http://schemas.microsoft.com/office/drawing/2014/main" id="{B8194567-4B28-49BB-8672-0F58AF0A3167}"/>
+              </a:ext>
+            </a:extLst>
+          </p:cNvPr>
+          <p:cNvSpPr>
+            <a:spLocks noGrp="1" noChangeArrowheads="1"/>
+          </p:cNvSpPr>
+          <p:nvPr>
+            <p:ph idx="1"/>
+          </p:nvPr>
+        </p:nvSpPr>
+        <p:spPr bwMode="auto">
+          <a:xfrm>
+            <a:off x="5251507" y="3296443"/>
+            <a:ext cx="5880683" cy="2062103"/>
+          </a:xfrm>
+          <a:prstGeom prst="rect">
+            <a:avLst/>
+          </a:prstGeom>
+          <a:noFill/>
+          <a:ln>
+            <a:noFill/>
+          </a:ln>
+          <a:effectLst/>
+          <a:extLst>
+            <a:ext uri="{909E8E84-426E-40DD-AFC4-6F175D3DCCD1}">
+              <a14:hiddenFill xmlns:a14="http://schemas.microsoft.com/office/drawing/2010/main">
+                <a:solidFill>
+                  <a:schemeClr val="accent1"/>
+                </a:solidFill>
+              </a14:hiddenFill>
+            </a:ext>
+            <a:ext uri="{91240B29-F687-4F45-9708-019B960494DF}">
+              <a14:hiddenLine xmlns:a14="http://schemas.microsoft.com/office/drawing/2010/main" w="9525">
+                <a:solidFill>
+                  <a:schemeClr val="tx1"/>
+                </a:solidFill>
+                <a:miter lim="800000"/>
+                <a:headEnd/>
+                <a:tailEnd/>
+              </a14:hiddenLine>
+            </a:ext>
+            <a:ext uri="{AF507438-7753-43E0-B8FC-AC1667EBCBE1}">
+              <a14:hiddenEffects xmlns:a14="http://schemas.microsoft.com/office/drawing/2010/main">
+                <a:effectLst>
+                  <a:outerShdw dist="35921" dir="2700000" algn="ctr" rotWithShape="0">
+                    <a:schemeClr val="bg2"/>
+                  </a:outerShdw>
+                </a:effectLst>
+              </a14:hiddenEffects>
+            </a:ext>
+          </a:extLst>
+        </p:spPr>
+        <p:txBody>
+          <a:bodyPr vert="horz" wrap="square" lIns="91440" tIns="45720" rIns="91440" bIns="45720" numCol="1" anchor="ctr" anchorCtr="0" compatLnSpc="1">
+            <a:prstTxWarp prst="textNoShape">
+              <a:avLst/>
+            </a:prstTxWarp>
+            <a:spAutoFit/>
+          </a:bodyPr>
+          <a:lstStyle/>
+          <a:p>
+            <a:pPr marL="0" marR="0" lvl="0" indent="0" algn="l" defTabSz="914400" rtl="0" eaLnBrk="0" fontAlgn="base" latinLnBrk="0" hangingPunct="0">
+              <a:lnSpc>
+                <a:spcPct val="100000"/>
+              </a:lnSpc>
+              <a:spcBef>
+                <a:spcPct val="0"/>
+              </a:spcBef>
+              <a:spcAft>
+                <a:spcPct val="0"/>
+              </a:spcAft>
+              <a:buClrTx/>
+              <a:buSzTx/>
+              <a:buFontTx/>
+              <a:buChar char="•"/>
+              <a:tabLst/>
+            </a:pPr>
+            <a:r>
+              <a:rPr kumimoji="0" lang="hu-HU" altLang="hu-HU" sz="1600" b="0" i="0" u="none" strike="noStrike" cap="none" normalizeH="0" baseline="0" dirty="0">
+                <a:ln>
+                  <a:noFill/>
+                </a:ln>
+                <a:solidFill>
+                  <a:schemeClr val="tx1"/>
+                </a:solidFill>
+                <a:effectLst/>
+                <a:latin typeface="Arial" panose="020B0604020202020204" pitchFamily="34" charset="0"/>
+                <a:cs typeface="Arial" panose="020B0604020202020204" pitchFamily="34" charset="0"/>
+              </a:rPr>
+              <a:t>Képkocka olvasása a kamerából.</a:t>
+            </a:r>
+          </a:p>
+          <a:p>
+            <a:pPr marL="0" marR="0" lvl="0" indent="0" algn="l" defTabSz="914400" rtl="0" eaLnBrk="0" fontAlgn="base" latinLnBrk="0" hangingPunct="0">
+              <a:lnSpc>
+                <a:spcPct val="100000"/>
+              </a:lnSpc>
+              <a:spcBef>
+                <a:spcPct val="0"/>
+              </a:spcBef>
+              <a:spcAft>
+                <a:spcPct val="0"/>
+              </a:spcAft>
+              <a:buClrTx/>
+              <a:buSzTx/>
+              <a:buFontTx/>
+              <a:buChar char="•"/>
+              <a:tabLst/>
+            </a:pPr>
+            <a:r>
+              <a:rPr kumimoji="0" lang="hu-HU" altLang="hu-HU" sz="1600" b="0" i="0" u="none" strike="noStrike" cap="none" normalizeH="0" baseline="0" dirty="0">
+                <a:ln>
+                  <a:noFill/>
+                </a:ln>
+                <a:solidFill>
+                  <a:schemeClr val="tx1"/>
+                </a:solidFill>
+                <a:effectLst/>
+                <a:latin typeface="Arial" panose="020B0604020202020204" pitchFamily="34" charset="0"/>
+                <a:cs typeface="Arial" panose="020B0604020202020204" pitchFamily="34" charset="0"/>
+              </a:rPr>
+              <a:t>A képet átméretezi.</a:t>
+            </a:r>
+          </a:p>
+          <a:p>
+            <a:pPr marL="0" marR="0" lvl="0" indent="0" algn="l" defTabSz="914400" rtl="0" eaLnBrk="0" fontAlgn="base" latinLnBrk="0" hangingPunct="0">
+              <a:lnSpc>
+                <a:spcPct val="100000"/>
+              </a:lnSpc>
+              <a:spcBef>
+                <a:spcPct val="0"/>
+              </a:spcBef>
+              <a:spcAft>
+                <a:spcPct val="0"/>
+              </a:spcAft>
+              <a:buClrTx/>
+              <a:buSzTx/>
+              <a:buFontTx/>
+              <a:buChar char="•"/>
+              <a:tabLst/>
+            </a:pPr>
+            <a:r>
+              <a:rPr kumimoji="0" lang="hu-HU" altLang="hu-HU" sz="1600" b="0" i="0" u="none" strike="noStrike" cap="none" normalizeH="0" baseline="0" dirty="0">
+                <a:ln>
+                  <a:noFill/>
+                </a:ln>
+                <a:solidFill>
+                  <a:schemeClr val="tx1"/>
+                </a:solidFill>
+                <a:effectLst/>
+                <a:latin typeface="Arial" panose="020B0604020202020204" pitchFamily="34" charset="0"/>
+                <a:cs typeface="Arial" panose="020B0604020202020204" pitchFamily="34" charset="0"/>
+              </a:rPr>
+              <a:t>Elvégzi az előfeldolgozást (</a:t>
+            </a:r>
+            <a:r>
+              <a:rPr kumimoji="0" lang="hu-HU" altLang="hu-HU" sz="1600" b="0" i="0" u="none" strike="noStrike" cap="none" normalizeH="0" baseline="0" dirty="0" err="1">
+                <a:ln>
+                  <a:noFill/>
+                </a:ln>
+                <a:solidFill>
+                  <a:schemeClr val="tx1"/>
+                </a:solidFill>
+                <a:effectLst/>
+                <a:latin typeface="Arial" panose="020B0604020202020204" pitchFamily="34" charset="0"/>
+                <a:cs typeface="Arial" panose="020B0604020202020204" pitchFamily="34" charset="0"/>
+              </a:rPr>
+              <a:t>preProcessing</a:t>
+            </a:r>
+            <a:r>
+              <a:rPr kumimoji="0" lang="hu-HU" altLang="hu-HU" sz="1600" b="0" i="0" u="none" strike="noStrike" cap="none" normalizeH="0" baseline="0" dirty="0">
+                <a:ln>
+                  <a:noFill/>
+                </a:ln>
+                <a:solidFill>
+                  <a:schemeClr val="tx1"/>
+                </a:solidFill>
+                <a:effectLst/>
+                <a:latin typeface="Arial" panose="020B0604020202020204" pitchFamily="34" charset="0"/>
+                <a:cs typeface="Arial" panose="020B0604020202020204" pitchFamily="34" charset="0"/>
+              </a:rPr>
+              <a:t>).</a:t>
+            </a:r>
+          </a:p>
+          <a:p>
+            <a:pPr marL="0" marR="0" lvl="0" indent="0" algn="l" defTabSz="914400" rtl="0" eaLnBrk="0" fontAlgn="base" latinLnBrk="0" hangingPunct="0">
+              <a:lnSpc>
+                <a:spcPct val="100000"/>
+              </a:lnSpc>
+              <a:spcBef>
+                <a:spcPct val="0"/>
+              </a:spcBef>
+              <a:spcAft>
+                <a:spcPct val="0"/>
+              </a:spcAft>
+              <a:buClrTx/>
+              <a:buSzTx/>
+              <a:buFontTx/>
+              <a:buChar char="•"/>
+              <a:tabLst/>
+            </a:pPr>
+            <a:r>
+              <a:rPr kumimoji="0" lang="hu-HU" altLang="hu-HU" sz="1600" b="0" i="0" u="none" strike="noStrike" cap="none" normalizeH="0" baseline="0" dirty="0">
+                <a:ln>
+                  <a:noFill/>
+                </a:ln>
+                <a:solidFill>
+                  <a:schemeClr val="tx1"/>
+                </a:solidFill>
+                <a:effectLst/>
+                <a:latin typeface="Arial" panose="020B0604020202020204" pitchFamily="34" charset="0"/>
+                <a:cs typeface="Arial" panose="020B0604020202020204" pitchFamily="34" charset="0"/>
+              </a:rPr>
+              <a:t>Kiszámítja a kontúrokat (</a:t>
+            </a:r>
+            <a:r>
+              <a:rPr kumimoji="0" lang="hu-HU" altLang="hu-HU" sz="1600" b="0" i="0" u="none" strike="noStrike" cap="none" normalizeH="0" baseline="0" dirty="0" err="1">
+                <a:ln>
+                  <a:noFill/>
+                </a:ln>
+                <a:solidFill>
+                  <a:schemeClr val="tx1"/>
+                </a:solidFill>
+                <a:effectLst/>
+                <a:latin typeface="Arial" panose="020B0604020202020204" pitchFamily="34" charset="0"/>
+                <a:cs typeface="Arial" panose="020B0604020202020204" pitchFamily="34" charset="0"/>
+              </a:rPr>
+              <a:t>getContours</a:t>
+            </a:r>
+            <a:r>
+              <a:rPr kumimoji="0" lang="hu-HU" altLang="hu-HU" sz="1600" b="0" i="0" u="none" strike="noStrike" cap="none" normalizeH="0" baseline="0" dirty="0">
+                <a:ln>
+                  <a:noFill/>
+                </a:ln>
+                <a:solidFill>
+                  <a:schemeClr val="tx1"/>
+                </a:solidFill>
+                <a:effectLst/>
+                <a:latin typeface="Arial" panose="020B0604020202020204" pitchFamily="34" charset="0"/>
+                <a:cs typeface="Arial" panose="020B0604020202020204" pitchFamily="34" charset="0"/>
+              </a:rPr>
+              <a:t>).</a:t>
+            </a:r>
+          </a:p>
+          <a:p>
+            <a:pPr marL="0" marR="0" lvl="0" indent="0" algn="l" defTabSz="914400" rtl="0" eaLnBrk="0" fontAlgn="base" latinLnBrk="0" hangingPunct="0">
+              <a:lnSpc>
+                <a:spcPct val="100000"/>
+              </a:lnSpc>
+              <a:spcBef>
+                <a:spcPct val="0"/>
+              </a:spcBef>
+              <a:spcAft>
+                <a:spcPct val="0"/>
+              </a:spcAft>
+              <a:buClrTx/>
+              <a:buSzTx/>
+              <a:buFontTx/>
+              <a:buChar char="•"/>
+              <a:tabLst/>
+            </a:pPr>
+            <a:r>
+              <a:rPr kumimoji="0" lang="hu-HU" altLang="hu-HU" sz="1600" b="0" i="0" u="none" strike="noStrike" cap="none" normalizeH="0" baseline="0" dirty="0">
+                <a:ln>
+                  <a:noFill/>
+                </a:ln>
+                <a:solidFill>
+                  <a:schemeClr val="tx1"/>
+                </a:solidFill>
+                <a:effectLst/>
+                <a:latin typeface="Arial" panose="020B0604020202020204" pitchFamily="34" charset="0"/>
+                <a:cs typeface="Arial" panose="020B0604020202020204" pitchFamily="34" charset="0"/>
+              </a:rPr>
+              <a:t>Ha van érvényes kontúr, elvégzi a </a:t>
+            </a:r>
+            <a:r>
+              <a:rPr kumimoji="0" lang="hu-HU" altLang="hu-HU" sz="1600" b="0" i="0" u="none" strike="noStrike" cap="none" normalizeH="0" baseline="0" dirty="0" err="1">
+                <a:ln>
+                  <a:noFill/>
+                </a:ln>
+                <a:solidFill>
+                  <a:schemeClr val="tx1"/>
+                </a:solidFill>
+                <a:effectLst/>
+                <a:latin typeface="Arial" panose="020B0604020202020204" pitchFamily="34" charset="0"/>
+                <a:cs typeface="Arial" panose="020B0604020202020204" pitchFamily="34" charset="0"/>
+              </a:rPr>
+              <a:t>perspektív</a:t>
+            </a:r>
+            <a:r>
+              <a:rPr kumimoji="0" lang="hu-HU" altLang="hu-HU" sz="1600" b="0" i="0" u="none" strike="noStrike" cap="none" normalizeH="0" baseline="0" dirty="0">
+                <a:ln>
+                  <a:noFill/>
+                </a:ln>
+                <a:solidFill>
+                  <a:schemeClr val="tx1"/>
+                </a:solidFill>
+                <a:effectLst/>
+                <a:latin typeface="Arial" panose="020B0604020202020204" pitchFamily="34" charset="0"/>
+                <a:cs typeface="Arial" panose="020B0604020202020204" pitchFamily="34" charset="0"/>
+              </a:rPr>
+              <a:t> transzformációt (</a:t>
+            </a:r>
+            <a:r>
+              <a:rPr kumimoji="0" lang="hu-HU" altLang="hu-HU" sz="1600" b="0" i="0" u="none" strike="noStrike" cap="none" normalizeH="0" baseline="0" dirty="0" err="1">
+                <a:ln>
+                  <a:noFill/>
+                </a:ln>
+                <a:solidFill>
+                  <a:schemeClr val="tx1"/>
+                </a:solidFill>
+                <a:effectLst/>
+                <a:latin typeface="Arial" panose="020B0604020202020204" pitchFamily="34" charset="0"/>
+                <a:cs typeface="Arial" panose="020B0604020202020204" pitchFamily="34" charset="0"/>
+              </a:rPr>
+              <a:t>getWarp</a:t>
+            </a:r>
+            <a:r>
+              <a:rPr kumimoji="0" lang="hu-HU" altLang="hu-HU" sz="1600" b="0" i="0" u="none" strike="noStrike" cap="none" normalizeH="0" baseline="0" dirty="0">
+                <a:ln>
+                  <a:noFill/>
+                </a:ln>
+                <a:solidFill>
+                  <a:schemeClr val="tx1"/>
+                </a:solidFill>
+                <a:effectLst/>
+                <a:latin typeface="Arial" panose="020B0604020202020204" pitchFamily="34" charset="0"/>
+                <a:cs typeface="Arial" panose="020B0604020202020204" pitchFamily="34" charset="0"/>
+              </a:rPr>
+              <a:t>).</a:t>
+            </a:r>
+          </a:p>
+          <a:p>
+            <a:pPr marL="0" marR="0" lvl="0" indent="0" algn="l" defTabSz="914400" rtl="0" eaLnBrk="0" fontAlgn="base" latinLnBrk="0" hangingPunct="0">
+              <a:lnSpc>
+                <a:spcPct val="100000"/>
+              </a:lnSpc>
+              <a:spcBef>
+                <a:spcPct val="0"/>
+              </a:spcBef>
+              <a:spcAft>
+                <a:spcPct val="0"/>
+              </a:spcAft>
+              <a:buClrTx/>
+              <a:buSzTx/>
+              <a:buFontTx/>
+              <a:buChar char="•"/>
+              <a:tabLst/>
+            </a:pPr>
+            <a:r>
+              <a:rPr kumimoji="0" lang="hu-HU" altLang="hu-HU" sz="1600" b="0" i="0" u="none" strike="noStrike" cap="none" normalizeH="0" baseline="0" dirty="0">
+                <a:ln>
+                  <a:noFill/>
+                </a:ln>
+                <a:solidFill>
+                  <a:schemeClr val="tx1"/>
+                </a:solidFill>
+                <a:effectLst/>
+                <a:latin typeface="Arial" panose="020B0604020202020204" pitchFamily="34" charset="0"/>
+                <a:cs typeface="Arial" panose="020B0604020202020204" pitchFamily="34" charset="0"/>
+              </a:rPr>
+              <a:t>Képek összeállítása és megjelenítése.</a:t>
+            </a:r>
+          </a:p>
+          <a:p>
+            <a:pPr marL="0" marR="0" lvl="0" indent="0" algn="l" defTabSz="914400" rtl="0" eaLnBrk="0" fontAlgn="base" latinLnBrk="0" hangingPunct="0">
+              <a:lnSpc>
+                <a:spcPct val="100000"/>
+              </a:lnSpc>
+              <a:spcBef>
+                <a:spcPct val="0"/>
+              </a:spcBef>
+              <a:spcAft>
+                <a:spcPct val="0"/>
+              </a:spcAft>
+              <a:buClrTx/>
+              <a:buSzTx/>
+              <a:buFontTx/>
+              <a:buChar char="•"/>
+              <a:tabLst/>
+            </a:pPr>
+            <a:r>
+              <a:rPr kumimoji="0" lang="hu-HU" altLang="hu-HU" sz="1600" b="0" i="0" u="none" strike="noStrike" cap="none" normalizeH="0" baseline="0" dirty="0">
+                <a:ln>
+                  <a:noFill/>
+                </a:ln>
+                <a:solidFill>
+                  <a:schemeClr val="tx1"/>
+                </a:solidFill>
+                <a:effectLst/>
+                <a:latin typeface="Arial" panose="020B0604020202020204" pitchFamily="34" charset="0"/>
+                <a:cs typeface="Arial" panose="020B0604020202020204" pitchFamily="34" charset="0"/>
+              </a:rPr>
+              <a:t>A program leállítása, ha a 'q' billentyűt lenyomják.</a:t>
+            </a:r>
+          </a:p>
+        </p:txBody>
+      </p:sp>
+      <p:pic>
+        <p:nvPicPr>
+          <p:cNvPr id="5" name="Kép 4">
+            <a:extLst>
+              <a:ext uri="{FF2B5EF4-FFF2-40B4-BE49-F238E27FC236}">
+                <a16:creationId xmlns:a16="http://schemas.microsoft.com/office/drawing/2014/main" id="{B19D0825-3D80-4BAF-9AD9-BA260FE88687}"/>
+              </a:ext>
+            </a:extLst>
+          </p:cNvPr>
+          <p:cNvPicPr>
+            <a:picLocks noChangeAspect="1"/>
+          </p:cNvPicPr>
+          <p:nvPr/>
+        </p:nvPicPr>
+        <p:blipFill>
+          <a:blip r:embed="rId2"/>
+          <a:stretch>
+            <a:fillRect/>
+          </a:stretch>
+        </p:blipFill>
+        <p:spPr>
+          <a:xfrm>
+            <a:off x="1726656" y="2580370"/>
+            <a:ext cx="3356601" cy="3494250"/>
+          </a:xfrm>
+          <a:prstGeom prst="rect">
+            <a:avLst/>
+          </a:prstGeom>
+        </p:spPr>
+      </p:pic>
+    </p:spTree>
+    <p:extLst>
+      <p:ext uri="{BB962C8B-B14F-4D97-AF65-F5344CB8AC3E}">
+        <p14:creationId xmlns:p14="http://schemas.microsoft.com/office/powerpoint/2010/main" val="1179658928"/>
+      </p:ext>
+    </p:extLst>
+  </p:cSld>
+  <p:clrMapOvr>
+    <a:masterClrMapping/>
+  </p:clrMapOvr>
+</p:sld>
+</file>
+
+<file path=ppt/slides/slide19.xml><?xml version="1.0" encoding="utf-8"?>
+<p:sld xmlns:a="http://schemas.openxmlformats.org/drawingml/2006/main" xmlns:r="http://schemas.openxmlformats.org/officeDocument/2006/relationships" xmlns:p="http://schemas.openxmlformats.org/presentationml/2006/main">
+  <p:cSld>
+    <p:spTree>
+      <p:nvGrpSpPr>
+        <p:cNvPr id="1" name=""/>
+        <p:cNvGrpSpPr/>
+        <p:nvPr/>
+      </p:nvGrpSpPr>
+      <p:grpSpPr>
+        <a:xfrm>
+          <a:off x="0" y="0"/>
+          <a:ext cx="0" cy="0"/>
+          <a:chOff x="0" y="0"/>
+          <a:chExt cx="0" cy="0"/>
+        </a:xfrm>
+      </p:grpSpPr>
+      <p:sp>
+        <p:nvSpPr>
+          <p:cNvPr id="2" name="Cím 1">
+            <a:extLst>
+              <a:ext uri="{FF2B5EF4-FFF2-40B4-BE49-F238E27FC236}">
+                <a16:creationId xmlns:a16="http://schemas.microsoft.com/office/drawing/2014/main" id="{6207D706-517D-4C4D-B959-CA09C2B02C33}"/>
+              </a:ext>
+            </a:extLst>
+          </p:cNvPr>
+          <p:cNvSpPr>
+            <a:spLocks noGrp="1"/>
+          </p:cNvSpPr>
+          <p:nvPr>
+            <p:ph type="title"/>
+          </p:nvPr>
+        </p:nvSpPr>
+        <p:spPr/>
+        <p:txBody>
+          <a:bodyPr/>
+          <a:lstStyle/>
+          <a:p>
+            <a:r>
+              <a:rPr lang="hu-HU" dirty="0"/>
+              <a:t>A kód tesztelése és bemutatása</a:t>
+            </a:r>
+          </a:p>
+        </p:txBody>
+      </p:sp>
+      <p:pic>
+        <p:nvPicPr>
+          <p:cNvPr id="8" name="Kép 7">
+            <a:extLst>
+              <a:ext uri="{FF2B5EF4-FFF2-40B4-BE49-F238E27FC236}">
+                <a16:creationId xmlns:a16="http://schemas.microsoft.com/office/drawing/2014/main" id="{B0411414-95E6-48DE-AB03-68B8D5AC10C1}"/>
+              </a:ext>
+            </a:extLst>
+          </p:cNvPr>
+          <p:cNvPicPr>
+            <a:picLocks noChangeAspect="1"/>
+          </p:cNvPicPr>
+          <p:nvPr/>
+        </p:nvPicPr>
+        <p:blipFill>
+          <a:blip r:embed="rId2"/>
+          <a:stretch>
+            <a:fillRect/>
+          </a:stretch>
+        </p:blipFill>
+        <p:spPr>
+          <a:xfrm>
+            <a:off x="1295402" y="2592199"/>
+            <a:ext cx="3360488" cy="3166224"/>
+          </a:xfrm>
+          <a:prstGeom prst="rect">
+            <a:avLst/>
+          </a:prstGeom>
+        </p:spPr>
+      </p:pic>
+      <p:pic>
+        <p:nvPicPr>
+          <p:cNvPr id="9" name="Kép 8">
+            <a:extLst>
+              <a:ext uri="{FF2B5EF4-FFF2-40B4-BE49-F238E27FC236}">
+                <a16:creationId xmlns:a16="http://schemas.microsoft.com/office/drawing/2014/main" id="{A4B0AAA4-2DFF-4CD9-9998-ED8AC0896230}"/>
+              </a:ext>
+            </a:extLst>
+          </p:cNvPr>
+          <p:cNvPicPr>
+            <a:picLocks noChangeAspect="1"/>
+          </p:cNvPicPr>
+          <p:nvPr/>
+        </p:nvPicPr>
+        <p:blipFill>
+          <a:blip r:embed="rId3"/>
+          <a:stretch>
+            <a:fillRect/>
+          </a:stretch>
+        </p:blipFill>
+        <p:spPr>
+          <a:xfrm>
+            <a:off x="4971065" y="2592198"/>
+            <a:ext cx="2881030" cy="3166224"/>
+          </a:xfrm>
+          <a:prstGeom prst="rect">
+            <a:avLst/>
+          </a:prstGeom>
+        </p:spPr>
+      </p:pic>
+      <p:pic>
+        <p:nvPicPr>
+          <p:cNvPr id="10" name="Kép 9">
+            <a:extLst>
+              <a:ext uri="{FF2B5EF4-FFF2-40B4-BE49-F238E27FC236}">
+                <a16:creationId xmlns:a16="http://schemas.microsoft.com/office/drawing/2014/main" id="{5950C9EF-17BA-461D-9C65-77B8EE1DCF0A}"/>
+              </a:ext>
+            </a:extLst>
+          </p:cNvPr>
+          <p:cNvPicPr>
+            <a:picLocks noChangeAspect="1"/>
+          </p:cNvPicPr>
+          <p:nvPr/>
+        </p:nvPicPr>
+        <p:blipFill>
+          <a:blip r:embed="rId4"/>
+          <a:stretch>
+            <a:fillRect/>
+          </a:stretch>
+        </p:blipFill>
+        <p:spPr>
+          <a:xfrm>
+            <a:off x="8051921" y="2592198"/>
+            <a:ext cx="2979601" cy="3166224"/>
+          </a:xfrm>
+          <a:prstGeom prst="rect">
+            <a:avLst/>
+          </a:prstGeom>
+        </p:spPr>
+      </p:pic>
+    </p:spTree>
+    <p:extLst>
+      <p:ext uri="{BB962C8B-B14F-4D97-AF65-F5344CB8AC3E}">
+        <p14:creationId xmlns:p14="http://schemas.microsoft.com/office/powerpoint/2010/main" val="2937805859"/>
+      </p:ext>
+    </p:extLst>
+  </p:cSld>
+  <p:clrMapOvr>
+    <a:masterClrMapping/>
+  </p:clrMapOvr>
+</p:sld>
+</file>
+
 <file path=ppt/slides/slide2.xml><?xml version="1.0" encoding="utf-8"?>
 <p:sld xmlns:a="http://schemas.openxmlformats.org/drawingml/2006/main" xmlns:r="http://schemas.openxmlformats.org/officeDocument/2006/relationships" xmlns:p="http://schemas.openxmlformats.org/presentationml/2006/main">
   <p:cSld>
@@ -6071,15 +8748,7 @@
           <a:p>
             <a:r>
               <a:rPr lang="hu-HU" dirty="0"/>
-              <a:t>Amit használtunk </a:t>
-            </a:r>
-            <a:r>
-              <a:rPr lang="hu-HU" dirty="0" err="1"/>
-              <a:t>csoporomunkához</a:t>
-            </a:r>
-            <a:r>
-              <a:rPr lang="hu-HU" dirty="0"/>
-              <a:t> az a </a:t>
+              <a:t>Amit használtunk csoportmunkához az a </a:t>
             </a:r>
             <a:r>
               <a:rPr lang="hu-HU" dirty="0" err="1"/>
@@ -6306,6 +8975,14 @@
           <a:p>
             <a:r>
               <a:rPr lang="hu-HU" dirty="0" err="1"/>
+              <a:t>Number</a:t>
+            </a:r>
+            <a:r>
+              <a:rPr lang="hu-HU" dirty="0"/>
+              <a:t> </a:t>
+            </a:r>
+            <a:r>
+              <a:rPr lang="hu-HU" dirty="0" err="1"/>
               <a:t>Plate</a:t>
             </a:r>
             <a:r>
@@ -6476,7 +9153,7 @@
             </a:r>
             <a:r>
               <a:rPr lang="hu-HU" dirty="0" err="1"/>
-              <a:t>beálltása</a:t>
+              <a:t>beálítása</a:t>
             </a:r>
             <a:endParaRPr lang="hu-HU" dirty="0"/>
           </a:p>
@@ -6628,7 +9305,7 @@
         <p:spPr>
           <a:xfrm>
             <a:off x="6291743" y="2642532"/>
-            <a:ext cx="4708905" cy="2831544"/>
+            <a:ext cx="4708905" cy="1200329"/>
           </a:xfrm>
           <a:prstGeom prst="rect">
             <a:avLst/>
@@ -6642,13 +9319,13 @@
           <a:lstStyle/>
           <a:p>
             <a:r>
-              <a:rPr lang="hu-HU" sz="3200" dirty="0"/>
+              <a:rPr lang="hu-HU" dirty="0"/>
               <a:t>Beállítottam hogy kamerával kelljen megkeresni a rendszámokat.</a:t>
             </a:r>
           </a:p>
           <a:p>
             <a:r>
-              <a:rPr lang="hu-HU" sz="3200" dirty="0"/>
+              <a:rPr lang="hu-HU" dirty="0"/>
               <a:t>A felvételnek nagyságát beállítottam</a:t>
             </a:r>
           </a:p>
@@ -6705,46 +9382,50 @@
         </p:nvSpPr>
         <p:spPr>
           <a:xfrm>
-            <a:off x="8430937" y="605570"/>
-            <a:ext cx="3146288" cy="5640033"/>
+            <a:off x="9653137" y="605570"/>
+            <a:ext cx="1924087" cy="5640033"/>
           </a:xfrm>
         </p:spPr>
         <p:txBody>
           <a:bodyPr>
-            <a:normAutofit/>
+            <a:normAutofit fontScale="92500" lnSpcReduction="10000"/>
           </a:bodyPr>
           <a:lstStyle/>
           <a:p>
             <a:r>
-              <a:rPr lang="hu-HU" sz="2800" dirty="0"/>
+              <a:rPr lang="hu-HU" dirty="0"/>
               <a:t>Kép beolvasás</a:t>
             </a:r>
           </a:p>
           <a:p>
             <a:r>
-              <a:rPr lang="hu-HU" sz="2800" dirty="0" err="1"/>
-              <a:t>Szürkeárnyalatos</a:t>
-            </a:r>
-            <a:r>
-              <a:rPr lang="hu-HU" sz="2800" dirty="0"/>
+              <a:rPr lang="hu-HU" dirty="0"/>
+              <a:t>Szürke </a:t>
+            </a:r>
+            <a:r>
+              <a:rPr lang="hu-HU" dirty="0" err="1"/>
+              <a:t>árnyalatos</a:t>
+            </a:r>
+            <a:r>
+              <a:rPr lang="hu-HU" dirty="0"/>
               <a:t> képet készít</a:t>
             </a:r>
           </a:p>
           <a:p>
             <a:r>
-              <a:rPr lang="hu-HU" sz="2800" dirty="0"/>
+              <a:rPr lang="hu-HU" dirty="0"/>
               <a:t>Rendszámtábla detektálás</a:t>
             </a:r>
           </a:p>
           <a:p>
             <a:r>
-              <a:rPr lang="hu-HU" sz="2800" dirty="0"/>
+              <a:rPr lang="hu-HU" dirty="0"/>
               <a:t>Téglalap rajzolás a rendszámtábla köré</a:t>
             </a:r>
           </a:p>
           <a:p>
             <a:r>
-              <a:rPr lang="hu-HU" sz="2800" dirty="0"/>
+              <a:rPr lang="hu-HU" dirty="0"/>
               <a:t>Külön ablakba megjeleníti a rendszámtáblát</a:t>
             </a:r>
           </a:p>
@@ -6773,7 +9454,7 @@
         <p:spPr>
           <a:xfrm>
             <a:off x="614776" y="612396"/>
-            <a:ext cx="7816160" cy="5640033"/>
+            <a:ext cx="9038362" cy="5640033"/>
           </a:xfrm>
           <a:prstGeom prst="rect">
             <a:avLst/>
@@ -6975,55 +9656,18 @@
             <p:ph idx="1"/>
           </p:nvPr>
         </p:nvSpPr>
-        <p:spPr>
-          <a:xfrm>
-            <a:off x="6778305" y="2556932"/>
-            <a:ext cx="4118292" cy="3318936"/>
-          </a:xfrm>
-        </p:spPr>
-        <p:txBody>
-          <a:bodyPr>
-            <a:normAutofit/>
-          </a:bodyPr>
+        <p:spPr/>
+        <p:txBody>
+          <a:bodyPr/>
           <a:lstStyle/>
           <a:p>
             <a:r>
-              <a:rPr lang="hu-HU" sz="3200" dirty="0"/>
+              <a:rPr lang="hu-HU" dirty="0"/>
               <a:t>A tesztelést úgy hajtottam végre ,hogy rákerestem orosz rendszámtáblákra és megmutattam neki.</a:t>
             </a:r>
           </a:p>
         </p:txBody>
       </p:sp>
-      <p:pic>
-        <p:nvPicPr>
-          <p:cNvPr id="4" name="Kép 3">
-            <a:extLst>
-              <a:ext uri="{FF2B5EF4-FFF2-40B4-BE49-F238E27FC236}">
-                <a16:creationId xmlns:a16="http://schemas.microsoft.com/office/drawing/2014/main" id="{3B0E7F49-DEE2-4B04-B2EE-7952918AF1A1}"/>
-              </a:ext>
-            </a:extLst>
-          </p:cNvPr>
-          <p:cNvPicPr>
-            <a:picLocks noChangeAspect="1"/>
-          </p:cNvPicPr>
-          <p:nvPr/>
-        </p:nvPicPr>
-        <p:blipFill>
-          <a:blip r:embed="rId2"/>
-          <a:stretch>
-            <a:fillRect/>
-          </a:stretch>
-        </p:blipFill>
-        <p:spPr>
-          <a:xfrm>
-            <a:off x="521350" y="1904301"/>
-            <a:ext cx="6115904" cy="4359996"/>
-          </a:xfrm>
-          <a:prstGeom prst="rect">
-            <a:avLst/>
-          </a:prstGeom>
-        </p:spPr>
-      </p:pic>
     </p:spTree>
     <p:extLst>
       <p:ext uri="{BB962C8B-B14F-4D97-AF65-F5344CB8AC3E}">

--- a/Projekt prezi.pptx
+++ b/Projekt prezi.pptx
@@ -472,7 +472,7 @@
             <a:fld id="{B61BEF0D-F0BB-DE4B-95CE-6DB70DBA9567}" type="datetimeFigureOut">
               <a:rPr lang="en-US" dirty="0"/>
               <a:pPr/>
-              <a:t>4/1/2025</a:t>
+              <a:t>5/13/2025</a:t>
             </a:fld>
             <a:endParaRPr lang="en-US" dirty="0"/>
           </a:p>
@@ -793,7 +793,7 @@
             <a:fld id="{B61BEF0D-F0BB-DE4B-95CE-6DB70DBA9567}" type="datetimeFigureOut">
               <a:rPr lang="en-US" dirty="0"/>
               <a:pPr/>
-              <a:t>4/1/2025</a:t>
+              <a:t>5/13/2025</a:t>
             </a:fld>
             <a:endParaRPr lang="en-US" dirty="0"/>
           </a:p>
@@ -1038,7 +1038,7 @@
             <a:fld id="{B61BEF0D-F0BB-DE4B-95CE-6DB70DBA9567}" type="datetimeFigureOut">
               <a:rPr lang="en-US" dirty="0"/>
               <a:pPr/>
-              <a:t>4/1/2025</a:t>
+              <a:t>5/13/2025</a:t>
             </a:fld>
             <a:endParaRPr lang="en-US" dirty="0"/>
           </a:p>
@@ -1374,7 +1374,7 @@
             <a:fld id="{B61BEF0D-F0BB-DE4B-95CE-6DB70DBA9567}" type="datetimeFigureOut">
               <a:rPr lang="en-US" dirty="0"/>
               <a:pPr/>
-              <a:t>4/1/2025</a:t>
+              <a:t>5/13/2025</a:t>
             </a:fld>
             <a:endParaRPr lang="en-US" dirty="0"/>
           </a:p>
@@ -1718,7 +1718,7 @@
             <a:fld id="{B61BEF0D-F0BB-DE4B-95CE-6DB70DBA9567}" type="datetimeFigureOut">
               <a:rPr lang="en-US" dirty="0"/>
               <a:pPr/>
-              <a:t>4/1/2025</a:t>
+              <a:t>5/13/2025</a:t>
             </a:fld>
             <a:endParaRPr lang="en-US" dirty="0"/>
           </a:p>
@@ -2089,7 +2089,7 @@
             <a:fld id="{B61BEF0D-F0BB-DE4B-95CE-6DB70DBA9567}" type="datetimeFigureOut">
               <a:rPr lang="en-US" dirty="0"/>
               <a:pPr/>
-              <a:t>4/1/2025</a:t>
+              <a:t>5/13/2025</a:t>
             </a:fld>
             <a:endParaRPr lang="en-US" dirty="0"/>
           </a:p>
@@ -2556,7 +2556,7 @@
             <a:fld id="{B61BEF0D-F0BB-DE4B-95CE-6DB70DBA9567}" type="datetimeFigureOut">
               <a:rPr lang="en-US" dirty="0"/>
               <a:pPr/>
-              <a:t>4/1/2025</a:t>
+              <a:t>5/13/2025</a:t>
             </a:fld>
             <a:endParaRPr lang="en-US" dirty="0"/>
           </a:p>
@@ -2758,7 +2758,7 @@
             <a:fld id="{B61BEF0D-F0BB-DE4B-95CE-6DB70DBA9567}" type="datetimeFigureOut">
               <a:rPr lang="en-US" dirty="0"/>
               <a:pPr/>
-              <a:t>4/1/2025</a:t>
+              <a:t>5/13/2025</a:t>
             </a:fld>
             <a:endParaRPr lang="en-US" dirty="0"/>
           </a:p>
@@ -2966,7 +2966,7 @@
             <a:fld id="{B61BEF0D-F0BB-DE4B-95CE-6DB70DBA9567}" type="datetimeFigureOut">
               <a:rPr lang="en-US" dirty="0"/>
               <a:pPr/>
-              <a:t>4/1/2025</a:t>
+              <a:t>5/13/2025</a:t>
             </a:fld>
             <a:endParaRPr lang="en-US" dirty="0"/>
           </a:p>
@@ -3194,7 +3194,7 @@
           <a:p>
             <a:fld id="{05BFA754-D5C3-4E66-96A6-867B257F58DC}" type="datetimeFigureOut">
               <a:rPr lang="en-US" dirty="0"/>
-              <a:t>4/1/2025</a:t>
+              <a:t>5/13/2025</a:t>
             </a:fld>
             <a:endParaRPr lang="en-US" dirty="0"/>
           </a:p>
@@ -3438,7 +3438,7 @@
             <a:fld id="{B61BEF0D-F0BB-DE4B-95CE-6DB70DBA9567}" type="datetimeFigureOut">
               <a:rPr lang="en-US" dirty="0"/>
               <a:pPr/>
-              <a:t>4/1/2025</a:t>
+              <a:t>5/13/2025</a:t>
             </a:fld>
             <a:endParaRPr lang="en-US" dirty="0"/>
           </a:p>
@@ -3701,7 +3701,7 @@
           <a:p>
             <a:fld id="{05BFA754-D5C3-4E66-96A6-867B257F58DC}" type="datetimeFigureOut">
               <a:rPr lang="en-US" dirty="0"/>
-              <a:t>4/1/2025</a:t>
+              <a:t>5/13/2025</a:t>
             </a:fld>
             <a:endParaRPr lang="en-US" dirty="0"/>
           </a:p>
@@ -4110,7 +4110,7 @@
             <a:fld id="{B61BEF0D-F0BB-DE4B-95CE-6DB70DBA9567}" type="datetimeFigureOut">
               <a:rPr lang="en-US" dirty="0"/>
               <a:pPr/>
-              <a:t>4/1/2025</a:t>
+              <a:t>5/13/2025</a:t>
             </a:fld>
             <a:endParaRPr lang="en-US" dirty="0"/>
           </a:p>
@@ -4256,7 +4256,7 @@
             <a:fld id="{B61BEF0D-F0BB-DE4B-95CE-6DB70DBA9567}" type="datetimeFigureOut">
               <a:rPr lang="en-US" dirty="0"/>
               <a:pPr/>
-              <a:t>4/1/2025</a:t>
+              <a:t>5/13/2025</a:t>
             </a:fld>
             <a:endParaRPr lang="en-US" dirty="0"/>
           </a:p>
@@ -4379,7 +4379,7 @@
             <a:fld id="{B61BEF0D-F0BB-DE4B-95CE-6DB70DBA9567}" type="datetimeFigureOut">
               <a:rPr lang="en-US" dirty="0"/>
               <a:pPr/>
-              <a:t>4/1/2025</a:t>
+              <a:t>5/13/2025</a:t>
             </a:fld>
             <a:endParaRPr lang="en-US" dirty="0"/>
           </a:p>
@@ -4631,7 +4631,7 @@
             <a:fld id="{B61BEF0D-F0BB-DE4B-95CE-6DB70DBA9567}" type="datetimeFigureOut">
               <a:rPr lang="en-US" dirty="0"/>
               <a:pPr/>
-              <a:t>4/1/2025</a:t>
+              <a:t>5/13/2025</a:t>
             </a:fld>
             <a:endParaRPr lang="en-US" dirty="0"/>
           </a:p>
@@ -4943,7 +4943,7 @@
             <a:fld id="{B61BEF0D-F0BB-DE4B-95CE-6DB70DBA9567}" type="datetimeFigureOut">
               <a:rPr lang="en-US" dirty="0"/>
               <a:pPr/>
-              <a:t>4/1/2025</a:t>
+              <a:t>5/13/2025</a:t>
             </a:fld>
             <a:endParaRPr lang="en-US" dirty="0"/>
           </a:p>
@@ -5291,7 +5291,7 @@
             <a:fld id="{B61BEF0D-F0BB-DE4B-95CE-6DB70DBA9567}" type="datetimeFigureOut">
               <a:rPr lang="en-US" dirty="0"/>
               <a:pPr/>
-              <a:t>4/1/2025</a:t>
+              <a:t>5/13/2025</a:t>
             </a:fld>
             <a:endParaRPr lang="en-US" dirty="0"/>
           </a:p>
@@ -6049,13 +6049,8 @@
           <a:p>
             <a:r>
               <a:rPr lang="hu-HU" dirty="0"/>
-              <a:t>File </a:t>
-            </a:r>
-            <a:r>
-              <a:rPr lang="hu-HU" dirty="0" err="1"/>
-              <a:t>Reader</a:t>
-            </a:r>
-            <a:endParaRPr lang="hu-HU" dirty="0"/>
+              <a:t>File Beolvasó</a:t>
+            </a:r>
           </a:p>
         </p:txBody>
       </p:sp>
@@ -10142,32 +10137,20 @@
             <p:ph type="ctrTitle"/>
           </p:nvPr>
         </p:nvSpPr>
-        <p:spPr/>
+        <p:spPr>
+          <a:xfrm>
+            <a:off x="2348918" y="1871131"/>
+            <a:ext cx="7441034" cy="1515533"/>
+          </a:xfrm>
+        </p:spPr>
         <p:txBody>
           <a:bodyPr/>
           <a:lstStyle/>
           <a:p>
             <a:r>
-              <a:rPr lang="hu-HU" dirty="0" err="1"/>
-              <a:t>Number</a:t>
-            </a:r>
-            <a:r>
               <a:rPr lang="hu-HU" dirty="0"/>
-              <a:t> </a:t>
-            </a:r>
-            <a:r>
-              <a:rPr lang="hu-HU" dirty="0" err="1"/>
-              <a:t>Plate</a:t>
-            </a:r>
-            <a:r>
-              <a:rPr lang="hu-HU" dirty="0"/>
-              <a:t> </a:t>
-            </a:r>
-            <a:r>
-              <a:rPr lang="hu-HU" dirty="0" err="1"/>
-              <a:t>Reader</a:t>
-            </a:r>
-            <a:endParaRPr lang="hu-HU" dirty="0"/>
+              <a:t>Rendszám tábla beolvasó</a:t>
+            </a:r>
           </a:p>
         </p:txBody>
       </p:sp>
